--- a/docs/deployment_guide/images/connectsense-spc-architecture-diagram.pptx
+++ b/docs/deployment_guide/images/connectsense-spc-architecture-diagram.pptx
@@ -6,7 +6,6 @@
   </p:sldMasterIdLst>
   <p:sldIdLst>
     <p:sldId id="256" r:id="rId2"/>
-    <p:sldId id="257" r:id="rId3"/>
   </p:sldIdLst>
   <p:sldSz cx="12192000" cy="6858000"/>
   <p:notesSz cx="6858000" cy="9144000"/>
@@ -260,7 +259,7 @@
           <a:p>
             <a:fld id="{B254F3FA-2CD2-47E1-9871-C6CD92049798}" type="datetimeFigureOut">
               <a:rPr lang="en-US" smtClean="0"/>
-              <a:t>11/12/21</a:t>
+              <a:t>2/7/2022</a:t>
             </a:fld>
             <a:endParaRPr lang="en-US" dirty="0"/>
           </a:p>
@@ -458,7 +457,7 @@
           <a:p>
             <a:fld id="{B254F3FA-2CD2-47E1-9871-C6CD92049798}" type="datetimeFigureOut">
               <a:rPr lang="en-US" smtClean="0"/>
-              <a:t>11/12/21</a:t>
+              <a:t>2/7/2022</a:t>
             </a:fld>
             <a:endParaRPr lang="en-US" dirty="0"/>
           </a:p>
@@ -666,7 +665,7 @@
           <a:p>
             <a:fld id="{B254F3FA-2CD2-47E1-9871-C6CD92049798}" type="datetimeFigureOut">
               <a:rPr lang="en-US" smtClean="0"/>
-              <a:t>11/12/21</a:t>
+              <a:t>2/7/2022</a:t>
             </a:fld>
             <a:endParaRPr lang="en-US" dirty="0"/>
           </a:p>
@@ -864,7 +863,7 @@
           <a:p>
             <a:fld id="{B254F3FA-2CD2-47E1-9871-C6CD92049798}" type="datetimeFigureOut">
               <a:rPr lang="en-US" smtClean="0"/>
-              <a:t>11/12/21</a:t>
+              <a:t>2/7/2022</a:t>
             </a:fld>
             <a:endParaRPr lang="en-US" dirty="0"/>
           </a:p>
@@ -1139,7 +1138,7 @@
           <a:p>
             <a:fld id="{B254F3FA-2CD2-47E1-9871-C6CD92049798}" type="datetimeFigureOut">
               <a:rPr lang="en-US" smtClean="0"/>
-              <a:t>11/12/21</a:t>
+              <a:t>2/7/2022</a:t>
             </a:fld>
             <a:endParaRPr lang="en-US" dirty="0"/>
           </a:p>
@@ -1404,7 +1403,7 @@
           <a:p>
             <a:fld id="{B254F3FA-2CD2-47E1-9871-C6CD92049798}" type="datetimeFigureOut">
               <a:rPr lang="en-US" smtClean="0"/>
-              <a:t>11/12/21</a:t>
+              <a:t>2/7/2022</a:t>
             </a:fld>
             <a:endParaRPr lang="en-US" dirty="0"/>
           </a:p>
@@ -1816,7 +1815,7 @@
           <a:p>
             <a:fld id="{B254F3FA-2CD2-47E1-9871-C6CD92049798}" type="datetimeFigureOut">
               <a:rPr lang="en-US" smtClean="0"/>
-              <a:t>11/12/21</a:t>
+              <a:t>2/7/2022</a:t>
             </a:fld>
             <a:endParaRPr lang="en-US" dirty="0"/>
           </a:p>
@@ -1957,7 +1956,7 @@
           <a:p>
             <a:fld id="{B254F3FA-2CD2-47E1-9871-C6CD92049798}" type="datetimeFigureOut">
               <a:rPr lang="en-US" smtClean="0"/>
-              <a:t>11/12/21</a:t>
+              <a:t>2/7/2022</a:t>
             </a:fld>
             <a:endParaRPr lang="en-US" dirty="0"/>
           </a:p>
@@ -2070,7 +2069,7 @@
           <a:p>
             <a:fld id="{B254F3FA-2CD2-47E1-9871-C6CD92049798}" type="datetimeFigureOut">
               <a:rPr lang="en-US" smtClean="0"/>
-              <a:t>11/12/21</a:t>
+              <a:t>2/7/2022</a:t>
             </a:fld>
             <a:endParaRPr lang="en-US" dirty="0"/>
           </a:p>
@@ -2381,7 +2380,7 @@
           <a:p>
             <a:fld id="{B254F3FA-2CD2-47E1-9871-C6CD92049798}" type="datetimeFigureOut">
               <a:rPr lang="en-US" smtClean="0"/>
-              <a:t>11/12/21</a:t>
+              <a:t>2/7/2022</a:t>
             </a:fld>
             <a:endParaRPr lang="en-US" dirty="0"/>
           </a:p>
@@ -2669,7 +2668,7 @@
           <a:p>
             <a:fld id="{B254F3FA-2CD2-47E1-9871-C6CD92049798}" type="datetimeFigureOut">
               <a:rPr lang="en-US" smtClean="0"/>
-              <a:t>11/12/21</a:t>
+              <a:t>2/7/2022</a:t>
             </a:fld>
             <a:endParaRPr lang="en-US" dirty="0"/>
           </a:p>
@@ -2910,7 +2909,7 @@
           <a:p>
             <a:fld id="{B254F3FA-2CD2-47E1-9871-C6CD92049798}" type="datetimeFigureOut">
               <a:rPr lang="en-US" smtClean="0"/>
-              <a:t>11/12/21</a:t>
+              <a:t>2/7/2022</a:t>
             </a:fld>
             <a:endParaRPr lang="en-US" dirty="0"/>
           </a:p>
@@ -3401,8 +3400,8 @@
         </p:nvSpPr>
         <p:spPr>
           <a:xfrm>
-            <a:off x="4292556" y="1254034"/>
-            <a:ext cx="5651777" cy="4327216"/>
+            <a:off x="4292557" y="1254034"/>
+            <a:ext cx="7384308" cy="4327216"/>
           </a:xfrm>
           <a:prstGeom prst="rect">
             <a:avLst/>
@@ -6709,7 +6708,7 @@
         </p:blipFill>
         <p:spPr bwMode="auto">
           <a:xfrm>
-            <a:off x="10479401" y="1747817"/>
+            <a:off x="10409828" y="1747817"/>
             <a:ext cx="762000" cy="762000"/>
           </a:xfrm>
           <a:prstGeom prst="rect">
@@ -6756,7 +6755,7 @@
         </p:nvSpPr>
         <p:spPr bwMode="auto">
           <a:xfrm>
-            <a:off x="9765026" y="2509817"/>
+            <a:off x="9695453" y="2509817"/>
             <a:ext cx="2201863" cy="276999"/>
           </a:xfrm>
           <a:prstGeom prst="rect">
@@ -6930,7 +6929,7 @@
         </p:blipFill>
         <p:spPr bwMode="auto">
           <a:xfrm>
-            <a:off x="10515867" y="3121934"/>
+            <a:off x="10446294" y="3121934"/>
             <a:ext cx="762000" cy="762000"/>
           </a:xfrm>
           <a:prstGeom prst="rect">
@@ -6977,7 +6976,7 @@
         </p:nvSpPr>
         <p:spPr bwMode="auto">
           <a:xfrm>
-            <a:off x="9757042" y="3885521"/>
+            <a:off x="9687469" y="3885521"/>
             <a:ext cx="2292350" cy="276999"/>
           </a:xfrm>
           <a:prstGeom prst="rect">
@@ -7126,3557 +7125,6 @@
     <p:extLst>
       <p:ext uri="{BB962C8B-B14F-4D97-AF65-F5344CB8AC3E}">
         <p14:creationId xmlns:p14="http://schemas.microsoft.com/office/powerpoint/2010/main" val="2682772541"/>
-      </p:ext>
-    </p:extLst>
-  </p:cSld>
-  <p:clrMapOvr>
-    <a:masterClrMapping/>
-  </p:clrMapOvr>
-</p:sld>
-</file>
-
-<file path=ppt/slides/slide2.xml><?xml version="1.0" encoding="utf-8"?>
-<p:sld xmlns:a="http://schemas.openxmlformats.org/drawingml/2006/main" xmlns:r="http://schemas.openxmlformats.org/officeDocument/2006/relationships" xmlns:p="http://schemas.openxmlformats.org/presentationml/2006/main">
-  <p:cSld>
-    <p:spTree>
-      <p:nvGrpSpPr>
-        <p:cNvPr id="1" name=""/>
-        <p:cNvGrpSpPr/>
-        <p:nvPr/>
-      </p:nvGrpSpPr>
-      <p:grpSpPr>
-        <a:xfrm>
-          <a:off x="0" y="0"/>
-          <a:ext cx="0" cy="0"/>
-          <a:chOff x="0" y="0"/>
-          <a:chExt cx="0" cy="0"/>
-        </a:xfrm>
-      </p:grpSpPr>
-      <p:sp>
-        <p:nvSpPr>
-          <p:cNvPr id="4" name="Rectangle 3">
-            <a:extLst>
-              <a:ext uri="{FF2B5EF4-FFF2-40B4-BE49-F238E27FC236}">
-                <a16:creationId xmlns:a16="http://schemas.microsoft.com/office/drawing/2014/main" id="{04EAE552-E817-4F36-B1A7-BFA6CCEF6B05}"/>
-              </a:ext>
-            </a:extLst>
-          </p:cNvPr>
-          <p:cNvSpPr/>
-          <p:nvPr/>
-        </p:nvSpPr>
-        <p:spPr>
-          <a:xfrm>
-            <a:off x="4292556" y="1258122"/>
-            <a:ext cx="5651777" cy="4023741"/>
-          </a:xfrm>
-          <a:prstGeom prst="rect">
-            <a:avLst/>
-          </a:prstGeom>
-          <a:noFill/>
-          <a:ln w="12700">
-            <a:solidFill>
-              <a:schemeClr val="tx1"/>
-            </a:solidFill>
-          </a:ln>
-        </p:spPr>
-        <p:style>
-          <a:lnRef idx="2">
-            <a:schemeClr val="accent1">
-              <a:shade val="50000"/>
-            </a:schemeClr>
-          </a:lnRef>
-          <a:fillRef idx="1">
-            <a:schemeClr val="accent1"/>
-          </a:fillRef>
-          <a:effectRef idx="0">
-            <a:schemeClr val="accent1"/>
-          </a:effectRef>
-          <a:fontRef idx="minor">
-            <a:schemeClr val="lt1"/>
-          </a:fontRef>
-        </p:style>
-        <p:txBody>
-          <a:bodyPr lIns="457200" tIns="91440"/>
-          <a:lstStyle/>
-          <a:p>
-            <a:pPr eaLnBrk="1" fontAlgn="auto" hangingPunct="1">
-              <a:spcBef>
-                <a:spcPts val="0"/>
-              </a:spcBef>
-              <a:spcAft>
-                <a:spcPts val="0"/>
-              </a:spcAft>
-              <a:defRPr/>
-            </a:pPr>
-            <a:r>
-              <a:rPr lang="en-US" sz="1200" dirty="0">
-                <a:solidFill>
-                  <a:sysClr val="windowText" lastClr="000000"/>
-                </a:solidFill>
-                <a:latin typeface="Arial" panose="020B0604020202020204" pitchFamily="34" charset="0"/>
-                <a:cs typeface="Arial" panose="020B0604020202020204" pitchFamily="34" charset="0"/>
-              </a:rPr>
-              <a:t>AWS Cloud</a:t>
-            </a:r>
-          </a:p>
-        </p:txBody>
-      </p:sp>
-      <p:pic>
-        <p:nvPicPr>
-          <p:cNvPr id="5" name="Graphic 5">
-            <a:extLst>
-              <a:ext uri="{FF2B5EF4-FFF2-40B4-BE49-F238E27FC236}">
-                <a16:creationId xmlns:a16="http://schemas.microsoft.com/office/drawing/2014/main" id="{4E5B5B1E-F8CF-49A0-A14E-8A5B54B57736}"/>
-              </a:ext>
-            </a:extLst>
-          </p:cNvPr>
-          <p:cNvPicPr>
-            <a:picLocks noChangeAspect="1" noChangeArrowheads="1"/>
-          </p:cNvPicPr>
-          <p:nvPr/>
-        </p:nvPicPr>
-        <p:blipFill>
-          <a:blip r:embed="rId2">
-            <a:extLst>
-              <a:ext uri="{28A0092B-C50C-407E-A947-70E740481C1C}">
-                <a14:useLocalDpi xmlns:a14="http://schemas.microsoft.com/office/drawing/2010/main" val="0"/>
-              </a:ext>
-            </a:extLst>
-          </a:blip>
-          <a:srcRect/>
-          <a:stretch>
-            <a:fillRect/>
-          </a:stretch>
-        </p:blipFill>
-        <p:spPr bwMode="auto">
-          <a:xfrm>
-            <a:off x="4292556" y="1244840"/>
-            <a:ext cx="433365" cy="483749"/>
-          </a:xfrm>
-          <a:prstGeom prst="rect">
-            <a:avLst/>
-          </a:prstGeom>
-          <a:noFill/>
-          <a:ln>
-            <a:noFill/>
-          </a:ln>
-          <a:extLst>
-            <a:ext uri="{909E8E84-426E-40DD-AFC4-6F175D3DCCD1}">
-              <a14:hiddenFill xmlns:a14="http://schemas.microsoft.com/office/drawing/2010/main">
-                <a:solidFill>
-                  <a:srgbClr val="FFFFFF"/>
-                </a:solidFill>
-              </a14:hiddenFill>
-            </a:ext>
-            <a:ext uri="{91240B29-F687-4F45-9708-019B960494DF}">
-              <a14:hiddenLine xmlns:a14="http://schemas.microsoft.com/office/drawing/2010/main" w="9525">
-                <a:solidFill>
-                  <a:srgbClr val="000000"/>
-                </a:solidFill>
-                <a:miter lim="800000"/>
-                <a:headEnd/>
-                <a:tailEnd/>
-              </a14:hiddenLine>
-            </a:ext>
-          </a:extLst>
-        </p:spPr>
-      </p:pic>
-      <p:pic>
-        <p:nvPicPr>
-          <p:cNvPr id="7" name="Graphic 7">
-            <a:extLst>
-              <a:ext uri="{FF2B5EF4-FFF2-40B4-BE49-F238E27FC236}">
-                <a16:creationId xmlns:a16="http://schemas.microsoft.com/office/drawing/2014/main" id="{AAB65577-82FF-4201-A049-242CB2910021}"/>
-              </a:ext>
-            </a:extLst>
-          </p:cNvPr>
-          <p:cNvPicPr>
-            <a:picLocks noChangeAspect="1" noChangeArrowheads="1"/>
-          </p:cNvPicPr>
-          <p:nvPr/>
-        </p:nvPicPr>
-        <p:blipFill>
-          <a:blip r:embed="rId3" cstate="hqprint">
-            <a:extLst>
-              <a:ext uri="{28A0092B-C50C-407E-A947-70E740481C1C}">
-                <a14:useLocalDpi xmlns:a14="http://schemas.microsoft.com/office/drawing/2010/main" val="0"/>
-              </a:ext>
-            </a:extLst>
-          </a:blip>
-          <a:srcRect/>
-          <a:stretch>
-            <a:fillRect/>
-          </a:stretch>
-        </p:blipFill>
-        <p:spPr bwMode="auto">
-          <a:xfrm>
-            <a:off x="6293480" y="4075399"/>
-            <a:ext cx="711200" cy="711200"/>
-          </a:xfrm>
-          <a:prstGeom prst="rect">
-            <a:avLst/>
-          </a:prstGeom>
-          <a:noFill/>
-          <a:ln>
-            <a:noFill/>
-          </a:ln>
-          <a:extLst>
-            <a:ext uri="{909E8E84-426E-40DD-AFC4-6F175D3DCCD1}">
-              <a14:hiddenFill xmlns:a14="http://schemas.microsoft.com/office/drawing/2010/main">
-                <a:solidFill>
-                  <a:srgbClr val="FFFFFF"/>
-                </a:solidFill>
-              </a14:hiddenFill>
-            </a:ext>
-            <a:ext uri="{91240B29-F687-4F45-9708-019B960494DF}">
-              <a14:hiddenLine xmlns:a14="http://schemas.microsoft.com/office/drawing/2010/main" w="9525">
-                <a:solidFill>
-                  <a:srgbClr val="000000"/>
-                </a:solidFill>
-                <a:miter lim="800000"/>
-                <a:headEnd/>
-                <a:tailEnd/>
-              </a14:hiddenLine>
-            </a:ext>
-          </a:extLst>
-        </p:spPr>
-      </p:pic>
-      <p:sp>
-        <p:nvSpPr>
-          <p:cNvPr id="11" name="TextBox 11">
-            <a:extLst>
-              <a:ext uri="{FF2B5EF4-FFF2-40B4-BE49-F238E27FC236}">
-                <a16:creationId xmlns:a16="http://schemas.microsoft.com/office/drawing/2014/main" id="{545D7615-73B8-4917-BA5B-F996AB7402D4}"/>
-              </a:ext>
-            </a:extLst>
-          </p:cNvPr>
-          <p:cNvSpPr txBox="1">
-            <a:spLocks noChangeArrowheads="1"/>
-          </p:cNvSpPr>
-          <p:nvPr/>
-        </p:nvSpPr>
-        <p:spPr bwMode="auto">
-          <a:xfrm>
-            <a:off x="5886243" y="4806279"/>
-            <a:ext cx="1506537" cy="307975"/>
-          </a:xfrm>
-          <a:prstGeom prst="rect">
-            <a:avLst/>
-          </a:prstGeom>
-          <a:noFill/>
-          <a:ln>
-            <a:noFill/>
-          </a:ln>
-          <a:extLst>
-            <a:ext uri="{909E8E84-426E-40DD-AFC4-6F175D3DCCD1}">
-              <a14:hiddenFill xmlns:a14="http://schemas.microsoft.com/office/drawing/2010/main">
-                <a:solidFill>
-                  <a:srgbClr val="FFFFFF"/>
-                </a:solidFill>
-              </a14:hiddenFill>
-            </a:ext>
-            <a:ext uri="{91240B29-F687-4F45-9708-019B960494DF}">
-              <a14:hiddenLine xmlns:a14="http://schemas.microsoft.com/office/drawing/2010/main" w="9525">
-                <a:solidFill>
-                  <a:srgbClr val="000000"/>
-                </a:solidFill>
-                <a:miter lim="800000"/>
-                <a:headEnd/>
-                <a:tailEnd/>
-              </a14:hiddenLine>
-            </a:ext>
-          </a:extLst>
-        </p:spPr>
-        <p:txBody>
-          <a:bodyPr>
-            <a:spAutoFit/>
-          </a:bodyPr>
-          <a:lstStyle>
-            <a:lvl1pPr>
-              <a:defRPr>
-                <a:solidFill>
-                  <a:schemeClr val="tx1"/>
-                </a:solidFill>
-                <a:latin typeface="Calibri" panose="020F0502020204030204" pitchFamily="34" charset="0"/>
-              </a:defRPr>
-            </a:lvl1pPr>
-            <a:lvl2pPr marL="742950" indent="-285750">
-              <a:defRPr>
-                <a:solidFill>
-                  <a:schemeClr val="tx1"/>
-                </a:solidFill>
-                <a:latin typeface="Calibri" panose="020F0502020204030204" pitchFamily="34" charset="0"/>
-              </a:defRPr>
-            </a:lvl2pPr>
-            <a:lvl3pPr marL="1143000" indent="-228600">
-              <a:defRPr>
-                <a:solidFill>
-                  <a:schemeClr val="tx1"/>
-                </a:solidFill>
-                <a:latin typeface="Calibri" panose="020F0502020204030204" pitchFamily="34" charset="0"/>
-              </a:defRPr>
-            </a:lvl3pPr>
-            <a:lvl4pPr marL="1600200" indent="-228600">
-              <a:defRPr>
-                <a:solidFill>
-                  <a:schemeClr val="tx1"/>
-                </a:solidFill>
-                <a:latin typeface="Calibri" panose="020F0502020204030204" pitchFamily="34" charset="0"/>
-              </a:defRPr>
-            </a:lvl4pPr>
-            <a:lvl5pPr marL="2057400" indent="-228600">
-              <a:defRPr>
-                <a:solidFill>
-                  <a:schemeClr val="tx1"/>
-                </a:solidFill>
-                <a:latin typeface="Calibri" panose="020F0502020204030204" pitchFamily="34" charset="0"/>
-              </a:defRPr>
-            </a:lvl5pPr>
-            <a:lvl6pPr marL="2514600" indent="-228600" eaLnBrk="0" fontAlgn="base" hangingPunct="0">
-              <a:spcBef>
-                <a:spcPct val="0"/>
-              </a:spcBef>
-              <a:spcAft>
-                <a:spcPct val="0"/>
-              </a:spcAft>
-              <a:defRPr>
-                <a:solidFill>
-                  <a:schemeClr val="tx1"/>
-                </a:solidFill>
-                <a:latin typeface="Calibri" panose="020F0502020204030204" pitchFamily="34" charset="0"/>
-              </a:defRPr>
-            </a:lvl6pPr>
-            <a:lvl7pPr marL="2971800" indent="-228600" eaLnBrk="0" fontAlgn="base" hangingPunct="0">
-              <a:spcBef>
-                <a:spcPct val="0"/>
-              </a:spcBef>
-              <a:spcAft>
-                <a:spcPct val="0"/>
-              </a:spcAft>
-              <a:defRPr>
-                <a:solidFill>
-                  <a:schemeClr val="tx1"/>
-                </a:solidFill>
-                <a:latin typeface="Calibri" panose="020F0502020204030204" pitchFamily="34" charset="0"/>
-              </a:defRPr>
-            </a:lvl7pPr>
-            <a:lvl8pPr marL="3429000" indent="-228600" eaLnBrk="0" fontAlgn="base" hangingPunct="0">
-              <a:spcBef>
-                <a:spcPct val="0"/>
-              </a:spcBef>
-              <a:spcAft>
-                <a:spcPct val="0"/>
-              </a:spcAft>
-              <a:defRPr>
-                <a:solidFill>
-                  <a:schemeClr val="tx1"/>
-                </a:solidFill>
-                <a:latin typeface="Calibri" panose="020F0502020204030204" pitchFamily="34" charset="0"/>
-              </a:defRPr>
-            </a:lvl8pPr>
-            <a:lvl9pPr marL="3886200" indent="-228600" eaLnBrk="0" fontAlgn="base" hangingPunct="0">
-              <a:spcBef>
-                <a:spcPct val="0"/>
-              </a:spcBef>
-              <a:spcAft>
-                <a:spcPct val="0"/>
-              </a:spcAft>
-              <a:defRPr>
-                <a:solidFill>
-                  <a:schemeClr val="tx1"/>
-                </a:solidFill>
-                <a:latin typeface="Calibri" panose="020F0502020204030204" pitchFamily="34" charset="0"/>
-              </a:defRPr>
-            </a:lvl9pPr>
-          </a:lstStyle>
-          <a:p>
-            <a:pPr algn="ctr" eaLnBrk="1" hangingPunct="1"/>
-            <a:r>
-              <a:rPr lang="en-US" altLang="en-US" sz="1400" dirty="0">
-                <a:latin typeface="Arial" panose="020B0604020202020204" pitchFamily="34" charset="0"/>
-                <a:cs typeface="Arial" panose="020B0604020202020204" pitchFamily="34" charset="0"/>
-              </a:rPr>
-              <a:t>AWS Lambda</a:t>
-            </a:r>
-          </a:p>
-        </p:txBody>
-      </p:sp>
-      <p:pic>
-        <p:nvPicPr>
-          <p:cNvPr id="12" name="Graphic 12">
-            <a:extLst>
-              <a:ext uri="{FF2B5EF4-FFF2-40B4-BE49-F238E27FC236}">
-                <a16:creationId xmlns:a16="http://schemas.microsoft.com/office/drawing/2014/main" id="{4856D989-B2BE-4DF9-810C-C288A888F6DE}"/>
-              </a:ext>
-            </a:extLst>
-          </p:cNvPr>
-          <p:cNvPicPr>
-            <a:picLocks noChangeAspect="1" noChangeArrowheads="1"/>
-          </p:cNvPicPr>
-          <p:nvPr/>
-        </p:nvPicPr>
-        <p:blipFill>
-          <a:blip r:embed="rId3" cstate="hqprint">
-            <a:extLst>
-              <a:ext uri="{28A0092B-C50C-407E-A947-70E740481C1C}">
-                <a14:useLocalDpi xmlns:a14="http://schemas.microsoft.com/office/drawing/2010/main" val="0"/>
-              </a:ext>
-            </a:extLst>
-          </a:blip>
-          <a:srcRect/>
-          <a:stretch>
-            <a:fillRect/>
-          </a:stretch>
-        </p:blipFill>
-        <p:spPr bwMode="auto">
-          <a:xfrm>
-            <a:off x="6327382" y="2741504"/>
-            <a:ext cx="711200" cy="711200"/>
-          </a:xfrm>
-          <a:prstGeom prst="rect">
-            <a:avLst/>
-          </a:prstGeom>
-          <a:noFill/>
-          <a:ln>
-            <a:noFill/>
-          </a:ln>
-          <a:extLst>
-            <a:ext uri="{909E8E84-426E-40DD-AFC4-6F175D3DCCD1}">
-              <a14:hiddenFill xmlns:a14="http://schemas.microsoft.com/office/drawing/2010/main">
-                <a:solidFill>
-                  <a:srgbClr val="FFFFFF"/>
-                </a:solidFill>
-              </a14:hiddenFill>
-            </a:ext>
-            <a:ext uri="{91240B29-F687-4F45-9708-019B960494DF}">
-              <a14:hiddenLine xmlns:a14="http://schemas.microsoft.com/office/drawing/2010/main" w="9525">
-                <a:solidFill>
-                  <a:srgbClr val="000000"/>
-                </a:solidFill>
-                <a:miter lim="800000"/>
-                <a:headEnd/>
-                <a:tailEnd/>
-              </a14:hiddenLine>
-            </a:ext>
-          </a:extLst>
-        </p:spPr>
-      </p:pic>
-      <p:sp>
-        <p:nvSpPr>
-          <p:cNvPr id="13" name="TextBox 13">
-            <a:extLst>
-              <a:ext uri="{FF2B5EF4-FFF2-40B4-BE49-F238E27FC236}">
-                <a16:creationId xmlns:a16="http://schemas.microsoft.com/office/drawing/2014/main" id="{20E4B148-9586-4BD7-A55B-4FE26F4D51A8}"/>
-              </a:ext>
-            </a:extLst>
-          </p:cNvPr>
-          <p:cNvSpPr txBox="1">
-            <a:spLocks noChangeArrowheads="1"/>
-          </p:cNvSpPr>
-          <p:nvPr/>
-        </p:nvSpPr>
-        <p:spPr bwMode="auto">
-          <a:xfrm>
-            <a:off x="5929713" y="3495817"/>
-            <a:ext cx="1506538" cy="307975"/>
-          </a:xfrm>
-          <a:prstGeom prst="rect">
-            <a:avLst/>
-          </a:prstGeom>
-          <a:noFill/>
-          <a:ln>
-            <a:noFill/>
-          </a:ln>
-          <a:extLst>
-            <a:ext uri="{909E8E84-426E-40DD-AFC4-6F175D3DCCD1}">
-              <a14:hiddenFill xmlns:a14="http://schemas.microsoft.com/office/drawing/2010/main">
-                <a:solidFill>
-                  <a:srgbClr val="FFFFFF"/>
-                </a:solidFill>
-              </a14:hiddenFill>
-            </a:ext>
-            <a:ext uri="{91240B29-F687-4F45-9708-019B960494DF}">
-              <a14:hiddenLine xmlns:a14="http://schemas.microsoft.com/office/drawing/2010/main" w="9525">
-                <a:solidFill>
-                  <a:srgbClr val="000000"/>
-                </a:solidFill>
-                <a:miter lim="800000"/>
-                <a:headEnd/>
-                <a:tailEnd/>
-              </a14:hiddenLine>
-            </a:ext>
-          </a:extLst>
-        </p:spPr>
-        <p:txBody>
-          <a:bodyPr>
-            <a:spAutoFit/>
-          </a:bodyPr>
-          <a:lstStyle>
-            <a:lvl1pPr>
-              <a:defRPr>
-                <a:solidFill>
-                  <a:schemeClr val="tx1"/>
-                </a:solidFill>
-                <a:latin typeface="Calibri" panose="020F0502020204030204" pitchFamily="34" charset="0"/>
-              </a:defRPr>
-            </a:lvl1pPr>
-            <a:lvl2pPr marL="742950" indent="-285750">
-              <a:defRPr>
-                <a:solidFill>
-                  <a:schemeClr val="tx1"/>
-                </a:solidFill>
-                <a:latin typeface="Calibri" panose="020F0502020204030204" pitchFamily="34" charset="0"/>
-              </a:defRPr>
-            </a:lvl2pPr>
-            <a:lvl3pPr marL="1143000" indent="-228600">
-              <a:defRPr>
-                <a:solidFill>
-                  <a:schemeClr val="tx1"/>
-                </a:solidFill>
-                <a:latin typeface="Calibri" panose="020F0502020204030204" pitchFamily="34" charset="0"/>
-              </a:defRPr>
-            </a:lvl3pPr>
-            <a:lvl4pPr marL="1600200" indent="-228600">
-              <a:defRPr>
-                <a:solidFill>
-                  <a:schemeClr val="tx1"/>
-                </a:solidFill>
-                <a:latin typeface="Calibri" panose="020F0502020204030204" pitchFamily="34" charset="0"/>
-              </a:defRPr>
-            </a:lvl4pPr>
-            <a:lvl5pPr marL="2057400" indent="-228600">
-              <a:defRPr>
-                <a:solidFill>
-                  <a:schemeClr val="tx1"/>
-                </a:solidFill>
-                <a:latin typeface="Calibri" panose="020F0502020204030204" pitchFamily="34" charset="0"/>
-              </a:defRPr>
-            </a:lvl5pPr>
-            <a:lvl6pPr marL="2514600" indent="-228600" eaLnBrk="0" fontAlgn="base" hangingPunct="0">
-              <a:spcBef>
-                <a:spcPct val="0"/>
-              </a:spcBef>
-              <a:spcAft>
-                <a:spcPct val="0"/>
-              </a:spcAft>
-              <a:defRPr>
-                <a:solidFill>
-                  <a:schemeClr val="tx1"/>
-                </a:solidFill>
-                <a:latin typeface="Calibri" panose="020F0502020204030204" pitchFamily="34" charset="0"/>
-              </a:defRPr>
-            </a:lvl6pPr>
-            <a:lvl7pPr marL="2971800" indent="-228600" eaLnBrk="0" fontAlgn="base" hangingPunct="0">
-              <a:spcBef>
-                <a:spcPct val="0"/>
-              </a:spcBef>
-              <a:spcAft>
-                <a:spcPct val="0"/>
-              </a:spcAft>
-              <a:defRPr>
-                <a:solidFill>
-                  <a:schemeClr val="tx1"/>
-                </a:solidFill>
-                <a:latin typeface="Calibri" panose="020F0502020204030204" pitchFamily="34" charset="0"/>
-              </a:defRPr>
-            </a:lvl7pPr>
-            <a:lvl8pPr marL="3429000" indent="-228600" eaLnBrk="0" fontAlgn="base" hangingPunct="0">
-              <a:spcBef>
-                <a:spcPct val="0"/>
-              </a:spcBef>
-              <a:spcAft>
-                <a:spcPct val="0"/>
-              </a:spcAft>
-              <a:defRPr>
-                <a:solidFill>
-                  <a:schemeClr val="tx1"/>
-                </a:solidFill>
-                <a:latin typeface="Calibri" panose="020F0502020204030204" pitchFamily="34" charset="0"/>
-              </a:defRPr>
-            </a:lvl8pPr>
-            <a:lvl9pPr marL="3886200" indent="-228600" eaLnBrk="0" fontAlgn="base" hangingPunct="0">
-              <a:spcBef>
-                <a:spcPct val="0"/>
-              </a:spcBef>
-              <a:spcAft>
-                <a:spcPct val="0"/>
-              </a:spcAft>
-              <a:defRPr>
-                <a:solidFill>
-                  <a:schemeClr val="tx1"/>
-                </a:solidFill>
-                <a:latin typeface="Calibri" panose="020F0502020204030204" pitchFamily="34" charset="0"/>
-              </a:defRPr>
-            </a:lvl9pPr>
-          </a:lstStyle>
-          <a:p>
-            <a:pPr algn="ctr" eaLnBrk="1" hangingPunct="1"/>
-            <a:r>
-              <a:rPr lang="en-US" altLang="en-US" sz="1400" dirty="0">
-                <a:latin typeface="Arial" panose="020B0604020202020204" pitchFamily="34" charset="0"/>
-                <a:cs typeface="Arial" panose="020B0604020202020204" pitchFamily="34" charset="0"/>
-              </a:rPr>
-              <a:t>AWS Lambda</a:t>
-            </a:r>
-          </a:p>
-        </p:txBody>
-      </p:sp>
-      <p:sp>
-        <p:nvSpPr>
-          <p:cNvPr id="15" name="TextBox 15">
-            <a:extLst>
-              <a:ext uri="{FF2B5EF4-FFF2-40B4-BE49-F238E27FC236}">
-                <a16:creationId xmlns:a16="http://schemas.microsoft.com/office/drawing/2014/main" id="{9074E4E6-4DF0-4DC5-A73A-D0778995F098}"/>
-              </a:ext>
-            </a:extLst>
-          </p:cNvPr>
-          <p:cNvSpPr txBox="1">
-            <a:spLocks noChangeArrowheads="1"/>
-          </p:cNvSpPr>
-          <p:nvPr/>
-        </p:nvSpPr>
-        <p:spPr bwMode="auto">
-          <a:xfrm>
-            <a:off x="6172976" y="6324750"/>
-            <a:ext cx="612058" cy="306388"/>
-          </a:xfrm>
-          <a:prstGeom prst="rect">
-            <a:avLst/>
-          </a:prstGeom>
-          <a:noFill/>
-          <a:ln>
-            <a:noFill/>
-          </a:ln>
-          <a:extLst>
-            <a:ext uri="{909E8E84-426E-40DD-AFC4-6F175D3DCCD1}">
-              <a14:hiddenFill xmlns:a14="http://schemas.microsoft.com/office/drawing/2010/main">
-                <a:solidFill>
-                  <a:srgbClr val="FFFFFF"/>
-                </a:solidFill>
-              </a14:hiddenFill>
-            </a:ext>
-            <a:ext uri="{91240B29-F687-4F45-9708-019B960494DF}">
-              <a14:hiddenLine xmlns:a14="http://schemas.microsoft.com/office/drawing/2010/main" w="9525">
-                <a:solidFill>
-                  <a:srgbClr val="000000"/>
-                </a:solidFill>
-                <a:miter lim="800000"/>
-                <a:headEnd/>
-                <a:tailEnd/>
-              </a14:hiddenLine>
-            </a:ext>
-          </a:extLst>
-        </p:spPr>
-        <p:txBody>
-          <a:bodyPr wrap="square">
-            <a:spAutoFit/>
-          </a:bodyPr>
-          <a:lstStyle>
-            <a:lvl1pPr>
-              <a:defRPr>
-                <a:solidFill>
-                  <a:schemeClr val="tx1"/>
-                </a:solidFill>
-                <a:latin typeface="Calibri" panose="020F0502020204030204" pitchFamily="34" charset="0"/>
-              </a:defRPr>
-            </a:lvl1pPr>
-            <a:lvl2pPr marL="742950" indent="-285750">
-              <a:defRPr>
-                <a:solidFill>
-                  <a:schemeClr val="tx1"/>
-                </a:solidFill>
-                <a:latin typeface="Calibri" panose="020F0502020204030204" pitchFamily="34" charset="0"/>
-              </a:defRPr>
-            </a:lvl2pPr>
-            <a:lvl3pPr marL="1143000" indent="-228600">
-              <a:defRPr>
-                <a:solidFill>
-                  <a:schemeClr val="tx1"/>
-                </a:solidFill>
-                <a:latin typeface="Calibri" panose="020F0502020204030204" pitchFamily="34" charset="0"/>
-              </a:defRPr>
-            </a:lvl3pPr>
-            <a:lvl4pPr marL="1600200" indent="-228600">
-              <a:defRPr>
-                <a:solidFill>
-                  <a:schemeClr val="tx1"/>
-                </a:solidFill>
-                <a:latin typeface="Calibri" panose="020F0502020204030204" pitchFamily="34" charset="0"/>
-              </a:defRPr>
-            </a:lvl4pPr>
-            <a:lvl5pPr marL="2057400" indent="-228600">
-              <a:defRPr>
-                <a:solidFill>
-                  <a:schemeClr val="tx1"/>
-                </a:solidFill>
-                <a:latin typeface="Calibri" panose="020F0502020204030204" pitchFamily="34" charset="0"/>
-              </a:defRPr>
-            </a:lvl5pPr>
-            <a:lvl6pPr marL="2514600" indent="-228600" eaLnBrk="0" fontAlgn="base" hangingPunct="0">
-              <a:spcBef>
-                <a:spcPct val="0"/>
-              </a:spcBef>
-              <a:spcAft>
-                <a:spcPct val="0"/>
-              </a:spcAft>
-              <a:defRPr>
-                <a:solidFill>
-                  <a:schemeClr val="tx1"/>
-                </a:solidFill>
-                <a:latin typeface="Calibri" panose="020F0502020204030204" pitchFamily="34" charset="0"/>
-              </a:defRPr>
-            </a:lvl6pPr>
-            <a:lvl7pPr marL="2971800" indent="-228600" eaLnBrk="0" fontAlgn="base" hangingPunct="0">
-              <a:spcBef>
-                <a:spcPct val="0"/>
-              </a:spcBef>
-              <a:spcAft>
-                <a:spcPct val="0"/>
-              </a:spcAft>
-              <a:defRPr>
-                <a:solidFill>
-                  <a:schemeClr val="tx1"/>
-                </a:solidFill>
-                <a:latin typeface="Calibri" panose="020F0502020204030204" pitchFamily="34" charset="0"/>
-              </a:defRPr>
-            </a:lvl7pPr>
-            <a:lvl8pPr marL="3429000" indent="-228600" eaLnBrk="0" fontAlgn="base" hangingPunct="0">
-              <a:spcBef>
-                <a:spcPct val="0"/>
-              </a:spcBef>
-              <a:spcAft>
-                <a:spcPct val="0"/>
-              </a:spcAft>
-              <a:defRPr>
-                <a:solidFill>
-                  <a:schemeClr val="tx1"/>
-                </a:solidFill>
-                <a:latin typeface="Calibri" panose="020F0502020204030204" pitchFamily="34" charset="0"/>
-              </a:defRPr>
-            </a:lvl8pPr>
-            <a:lvl9pPr marL="3886200" indent="-228600" eaLnBrk="0" fontAlgn="base" hangingPunct="0">
-              <a:spcBef>
-                <a:spcPct val="0"/>
-              </a:spcBef>
-              <a:spcAft>
-                <a:spcPct val="0"/>
-              </a:spcAft>
-              <a:defRPr>
-                <a:solidFill>
-                  <a:schemeClr val="tx1"/>
-                </a:solidFill>
-                <a:latin typeface="Calibri" panose="020F0502020204030204" pitchFamily="34" charset="0"/>
-              </a:defRPr>
-            </a:lvl9pPr>
-          </a:lstStyle>
-          <a:p>
-            <a:pPr algn="ctr" eaLnBrk="1" hangingPunct="1"/>
-            <a:r>
-              <a:rPr lang="en-US" altLang="en-US" sz="1400" dirty="0">
-                <a:latin typeface="Arial" panose="020B0604020202020204" pitchFamily="34" charset="0"/>
-                <a:cs typeface="Arial" panose="020B0604020202020204" pitchFamily="34" charset="0"/>
-              </a:rPr>
-              <a:t>user</a:t>
-            </a:r>
-          </a:p>
-        </p:txBody>
-      </p:sp>
-      <p:cxnSp>
-        <p:nvCxnSpPr>
-          <p:cNvPr id="19" name="Straight Arrow Connector 18">
-            <a:extLst>
-              <a:ext uri="{FF2B5EF4-FFF2-40B4-BE49-F238E27FC236}">
-                <a16:creationId xmlns:a16="http://schemas.microsoft.com/office/drawing/2014/main" id="{425680CB-A565-48A6-A572-6634E01F3A60}"/>
-              </a:ext>
-            </a:extLst>
-          </p:cNvPr>
-          <p:cNvCxnSpPr>
-            <a:cxnSpLocks/>
-          </p:cNvCxnSpPr>
-          <p:nvPr/>
-        </p:nvCxnSpPr>
-        <p:spPr>
-          <a:xfrm>
-            <a:off x="7014670" y="4430999"/>
-            <a:ext cx="1046162" cy="0"/>
-          </a:xfrm>
-          <a:prstGeom prst="straightConnector1">
-            <a:avLst/>
-          </a:prstGeom>
-          <a:ln w="12700">
-            <a:solidFill>
-              <a:schemeClr val="tx2"/>
-            </a:solidFill>
-            <a:headEnd type="none" w="med" len="sm"/>
-            <a:tailEnd type="arrow" w="med" len="sm"/>
-          </a:ln>
-        </p:spPr>
-        <p:style>
-          <a:lnRef idx="1">
-            <a:schemeClr val="accent1"/>
-          </a:lnRef>
-          <a:fillRef idx="0">
-            <a:schemeClr val="accent1"/>
-          </a:fillRef>
-          <a:effectRef idx="0">
-            <a:schemeClr val="accent1"/>
-          </a:effectRef>
-          <a:fontRef idx="minor">
-            <a:schemeClr val="tx1"/>
-          </a:fontRef>
-        </p:style>
-      </p:cxnSp>
-      <p:cxnSp>
-        <p:nvCxnSpPr>
-          <p:cNvPr id="20" name="Straight Arrow Connector 19">
-            <a:extLst>
-              <a:ext uri="{FF2B5EF4-FFF2-40B4-BE49-F238E27FC236}">
-                <a16:creationId xmlns:a16="http://schemas.microsoft.com/office/drawing/2014/main" id="{D6D1E182-E887-46F9-9FB9-E503EC08AE69}"/>
-              </a:ext>
-            </a:extLst>
-          </p:cNvPr>
-          <p:cNvCxnSpPr>
-            <a:cxnSpLocks/>
-          </p:cNvCxnSpPr>
-          <p:nvPr/>
-        </p:nvCxnSpPr>
-        <p:spPr>
-          <a:xfrm>
-            <a:off x="3260170" y="3142165"/>
-            <a:ext cx="1387821" cy="0"/>
-          </a:xfrm>
-          <a:prstGeom prst="straightConnector1">
-            <a:avLst/>
-          </a:prstGeom>
-          <a:ln w="12700">
-            <a:solidFill>
-              <a:schemeClr val="tx2"/>
-            </a:solidFill>
-            <a:headEnd type="none" w="med" len="sm"/>
-            <a:tailEnd type="arrow" w="med" len="sm"/>
-          </a:ln>
-        </p:spPr>
-        <p:style>
-          <a:lnRef idx="1">
-            <a:schemeClr val="accent1"/>
-          </a:lnRef>
-          <a:fillRef idx="0">
-            <a:schemeClr val="accent1"/>
-          </a:fillRef>
-          <a:effectRef idx="0">
-            <a:schemeClr val="accent1"/>
-          </a:effectRef>
-          <a:fontRef idx="minor">
-            <a:schemeClr val="tx1"/>
-          </a:fontRef>
-        </p:style>
-      </p:cxnSp>
-      <p:grpSp>
-        <p:nvGrpSpPr>
-          <p:cNvPr id="21" name="Group 21">
-            <a:extLst>
-              <a:ext uri="{FF2B5EF4-FFF2-40B4-BE49-F238E27FC236}">
-                <a16:creationId xmlns:a16="http://schemas.microsoft.com/office/drawing/2014/main" id="{91E264A0-CFE8-4FCE-B4F4-103950AD9FAF}"/>
-              </a:ext>
-            </a:extLst>
-          </p:cNvPr>
-          <p:cNvGrpSpPr>
-            <a:grpSpLocks/>
-          </p:cNvGrpSpPr>
-          <p:nvPr/>
-        </p:nvGrpSpPr>
-        <p:grpSpPr bwMode="auto">
-          <a:xfrm rot="10800000">
-            <a:off x="5406944" y="1885854"/>
-            <a:ext cx="820738" cy="2568041"/>
-            <a:chOff x="8228637" y="4518536"/>
-            <a:chExt cx="1639961" cy="399415"/>
-          </a:xfrm>
-        </p:grpSpPr>
-        <p:sp>
-          <p:nvSpPr>
-            <p:cNvPr id="22" name="Freeform 22">
-              <a:extLst>
-                <a:ext uri="{FF2B5EF4-FFF2-40B4-BE49-F238E27FC236}">
-                  <a16:creationId xmlns:a16="http://schemas.microsoft.com/office/drawing/2014/main" id="{87BC7DBB-5DAC-4473-9C24-A68235CD19DD}"/>
-                </a:ext>
-              </a:extLst>
-            </p:cNvPr>
-            <p:cNvSpPr/>
-            <p:nvPr/>
-          </p:nvSpPr>
-          <p:spPr>
-            <a:xfrm>
-              <a:off x="8228637" y="4518536"/>
-              <a:ext cx="916729" cy="399415"/>
-            </a:xfrm>
-            <a:custGeom>
-              <a:avLst/>
-              <a:gdLst>
-                <a:gd name="connsiteX0" fmla="*/ 38637 w 914400"/>
-                <a:gd name="connsiteY0" fmla="*/ 0 h 399245"/>
-                <a:gd name="connsiteX1" fmla="*/ 914400 w 914400"/>
-                <a:gd name="connsiteY1" fmla="*/ 0 h 399245"/>
-                <a:gd name="connsiteX2" fmla="*/ 914400 w 914400"/>
-                <a:gd name="connsiteY2" fmla="*/ 399245 h 399245"/>
-                <a:gd name="connsiteX3" fmla="*/ 0 w 914400"/>
-                <a:gd name="connsiteY3" fmla="*/ 399245 h 399245"/>
-                <a:gd name="connsiteX0" fmla="*/ 9837 w 914400"/>
-                <a:gd name="connsiteY0" fmla="*/ 3600 h 399245"/>
-                <a:gd name="connsiteX1" fmla="*/ 914400 w 914400"/>
-                <a:gd name="connsiteY1" fmla="*/ 0 h 399245"/>
-                <a:gd name="connsiteX2" fmla="*/ 914400 w 914400"/>
-                <a:gd name="connsiteY2" fmla="*/ 399245 h 399245"/>
-                <a:gd name="connsiteX3" fmla="*/ 0 w 914400"/>
-                <a:gd name="connsiteY3" fmla="*/ 399245 h 399245"/>
-                <a:gd name="connsiteX0" fmla="*/ 0 w 922563"/>
-                <a:gd name="connsiteY0" fmla="*/ 7200 h 399245"/>
-                <a:gd name="connsiteX1" fmla="*/ 922563 w 922563"/>
-                <a:gd name="connsiteY1" fmla="*/ 0 h 399245"/>
-                <a:gd name="connsiteX2" fmla="*/ 922563 w 922563"/>
-                <a:gd name="connsiteY2" fmla="*/ 399245 h 399245"/>
-                <a:gd name="connsiteX3" fmla="*/ 8163 w 922563"/>
-                <a:gd name="connsiteY3" fmla="*/ 399245 h 399245"/>
-                <a:gd name="connsiteX0" fmla="*/ 0 w 915363"/>
-                <a:gd name="connsiteY0" fmla="*/ 3600 h 399245"/>
-                <a:gd name="connsiteX1" fmla="*/ 915363 w 915363"/>
-                <a:gd name="connsiteY1" fmla="*/ 0 h 399245"/>
-                <a:gd name="connsiteX2" fmla="*/ 915363 w 915363"/>
-                <a:gd name="connsiteY2" fmla="*/ 399245 h 399245"/>
-                <a:gd name="connsiteX3" fmla="*/ 963 w 915363"/>
-                <a:gd name="connsiteY3" fmla="*/ 399245 h 399245"/>
-                <a:gd name="connsiteX0" fmla="*/ 0 w 915363"/>
-                <a:gd name="connsiteY0" fmla="*/ 0 h 399415"/>
-                <a:gd name="connsiteX1" fmla="*/ 915363 w 915363"/>
-                <a:gd name="connsiteY1" fmla="*/ 170 h 399415"/>
-                <a:gd name="connsiteX2" fmla="*/ 915363 w 915363"/>
-                <a:gd name="connsiteY2" fmla="*/ 399415 h 399415"/>
-                <a:gd name="connsiteX3" fmla="*/ 963 w 915363"/>
-                <a:gd name="connsiteY3" fmla="*/ 399415 h 399415"/>
-              </a:gdLst>
-              <a:ahLst/>
-              <a:cxnLst>
-                <a:cxn ang="0">
-                  <a:pos x="connsiteX0" y="connsiteY0"/>
-                </a:cxn>
-                <a:cxn ang="0">
-                  <a:pos x="connsiteX1" y="connsiteY1"/>
-                </a:cxn>
-                <a:cxn ang="0">
-                  <a:pos x="connsiteX2" y="connsiteY2"/>
-                </a:cxn>
-                <a:cxn ang="0">
-                  <a:pos x="connsiteX3" y="connsiteY3"/>
-                </a:cxn>
-              </a:cxnLst>
-              <a:rect l="l" t="t" r="r" b="b"/>
-              <a:pathLst>
-                <a:path w="915363" h="399415">
-                  <a:moveTo>
-                    <a:pt x="0" y="0"/>
-                  </a:moveTo>
-                  <a:lnTo>
-                    <a:pt x="915363" y="170"/>
-                  </a:lnTo>
-                  <a:lnTo>
-                    <a:pt x="915363" y="399415"/>
-                  </a:lnTo>
-                  <a:lnTo>
-                    <a:pt x="963" y="399415"/>
-                  </a:lnTo>
-                </a:path>
-              </a:pathLst>
-            </a:custGeom>
-            <a:noFill/>
-            <a:ln w="12700">
-              <a:solidFill>
-                <a:schemeClr val="tx2"/>
-              </a:solidFill>
-              <a:headEnd type="arrow" w="med" len="sm"/>
-              <a:tailEnd type="arrow" w="med" len="sm"/>
-            </a:ln>
-          </p:spPr>
-          <p:style>
-            <a:lnRef idx="2">
-              <a:schemeClr val="accent1">
-                <a:shade val="50000"/>
-              </a:schemeClr>
-            </a:lnRef>
-            <a:fillRef idx="1">
-              <a:schemeClr val="accent1"/>
-            </a:fillRef>
-            <a:effectRef idx="0">
-              <a:schemeClr val="accent1"/>
-            </a:effectRef>
-            <a:fontRef idx="minor">
-              <a:schemeClr val="lt1"/>
-            </a:fontRef>
-          </p:style>
-          <p:txBody>
-            <a:bodyPr anchor="ctr"/>
-            <a:lstStyle/>
-            <a:p>
-              <a:pPr algn="ctr" eaLnBrk="1" fontAlgn="auto" hangingPunct="1">
-                <a:spcBef>
-                  <a:spcPts val="0"/>
-                </a:spcBef>
-                <a:spcAft>
-                  <a:spcPts val="0"/>
-                </a:spcAft>
-                <a:defRPr/>
-              </a:pPr>
-              <a:endParaRPr lang="en-US" dirty="0">
-                <a:latin typeface="Arial" panose="020B0604020202020204" pitchFamily="34" charset="0"/>
-                <a:cs typeface="Arial" panose="020B0604020202020204" pitchFamily="34" charset="0"/>
-              </a:endParaRPr>
-            </a:p>
-          </p:txBody>
-        </p:sp>
-        <p:cxnSp>
-          <p:nvCxnSpPr>
-            <p:cNvPr id="23" name="Straight Arrow Connector 22">
-              <a:extLst>
-                <a:ext uri="{FF2B5EF4-FFF2-40B4-BE49-F238E27FC236}">
-                  <a16:creationId xmlns:a16="http://schemas.microsoft.com/office/drawing/2014/main" id="{0F95EC53-5DCE-4EB4-8D60-FAD4C2ED6DFB}"/>
-                </a:ext>
-              </a:extLst>
-            </p:cNvPr>
-            <p:cNvCxnSpPr>
-              <a:cxnSpLocks/>
-            </p:cNvCxnSpPr>
-            <p:nvPr/>
-          </p:nvCxnSpPr>
-          <p:spPr>
-            <a:xfrm rot="10800000" flipH="1">
-              <a:off x="8228637" y="4719926"/>
-              <a:ext cx="1639961" cy="0"/>
-            </a:xfrm>
-            <a:prstGeom prst="straightConnector1">
-              <a:avLst/>
-            </a:prstGeom>
-            <a:ln w="12700">
-              <a:solidFill>
-                <a:schemeClr val="tx2"/>
-              </a:solidFill>
-              <a:headEnd type="arrow" w="med" len="sm"/>
-              <a:tailEnd type="none" w="med" len="sm"/>
-            </a:ln>
-          </p:spPr>
-          <p:style>
-            <a:lnRef idx="1">
-              <a:schemeClr val="accent1"/>
-            </a:lnRef>
-            <a:fillRef idx="0">
-              <a:schemeClr val="accent1"/>
-            </a:fillRef>
-            <a:effectRef idx="0">
-              <a:schemeClr val="accent1"/>
-            </a:effectRef>
-            <a:fontRef idx="minor">
-              <a:schemeClr val="tx1"/>
-            </a:fontRef>
-          </p:style>
-        </p:cxnSp>
-      </p:grpSp>
-      <p:sp>
-        <p:nvSpPr>
-          <p:cNvPr id="27" name="TextBox 27">
-            <a:extLst>
-              <a:ext uri="{FF2B5EF4-FFF2-40B4-BE49-F238E27FC236}">
-                <a16:creationId xmlns:a16="http://schemas.microsoft.com/office/drawing/2014/main" id="{D4BBE033-79BA-4F01-B5A1-7761D7721232}"/>
-              </a:ext>
-            </a:extLst>
-          </p:cNvPr>
-          <p:cNvSpPr txBox="1">
-            <a:spLocks noChangeArrowheads="1"/>
-          </p:cNvSpPr>
-          <p:nvPr/>
-        </p:nvSpPr>
-        <p:spPr bwMode="auto">
-          <a:xfrm>
-            <a:off x="3377350" y="2680500"/>
-            <a:ext cx="844114" cy="461665"/>
-          </a:xfrm>
-          <a:prstGeom prst="rect">
-            <a:avLst/>
-          </a:prstGeom>
-          <a:noFill/>
-          <a:ln>
-            <a:noFill/>
-          </a:ln>
-          <a:extLst>
-            <a:ext uri="{909E8E84-426E-40DD-AFC4-6F175D3DCCD1}">
-              <a14:hiddenFill xmlns:a14="http://schemas.microsoft.com/office/drawing/2010/main">
-                <a:solidFill>
-                  <a:srgbClr val="FFFFFF"/>
-                </a:solidFill>
-              </a14:hiddenFill>
-            </a:ext>
-            <a:ext uri="{91240B29-F687-4F45-9708-019B960494DF}">
-              <a14:hiddenLine xmlns:a14="http://schemas.microsoft.com/office/drawing/2010/main" w="9525">
-                <a:solidFill>
-                  <a:srgbClr val="000000"/>
-                </a:solidFill>
-                <a:miter lim="800000"/>
-                <a:headEnd/>
-                <a:tailEnd/>
-              </a14:hiddenLine>
-            </a:ext>
-          </a:extLst>
-        </p:spPr>
-        <p:txBody>
-          <a:bodyPr wrap="square">
-            <a:spAutoFit/>
-          </a:bodyPr>
-          <a:lstStyle>
-            <a:lvl1pPr>
-              <a:defRPr>
-                <a:solidFill>
-                  <a:schemeClr val="tx1"/>
-                </a:solidFill>
-                <a:latin typeface="Calibri" panose="020F0502020204030204" pitchFamily="34" charset="0"/>
-              </a:defRPr>
-            </a:lvl1pPr>
-            <a:lvl2pPr marL="742950" indent="-285750">
-              <a:defRPr>
-                <a:solidFill>
-                  <a:schemeClr val="tx1"/>
-                </a:solidFill>
-                <a:latin typeface="Calibri" panose="020F0502020204030204" pitchFamily="34" charset="0"/>
-              </a:defRPr>
-            </a:lvl2pPr>
-            <a:lvl3pPr marL="1143000" indent="-228600">
-              <a:defRPr>
-                <a:solidFill>
-                  <a:schemeClr val="tx1"/>
-                </a:solidFill>
-                <a:latin typeface="Calibri" panose="020F0502020204030204" pitchFamily="34" charset="0"/>
-              </a:defRPr>
-            </a:lvl3pPr>
-            <a:lvl4pPr marL="1600200" indent="-228600">
-              <a:defRPr>
-                <a:solidFill>
-                  <a:schemeClr val="tx1"/>
-                </a:solidFill>
-                <a:latin typeface="Calibri" panose="020F0502020204030204" pitchFamily="34" charset="0"/>
-              </a:defRPr>
-            </a:lvl4pPr>
-            <a:lvl5pPr marL="2057400" indent="-228600">
-              <a:defRPr>
-                <a:solidFill>
-                  <a:schemeClr val="tx1"/>
-                </a:solidFill>
-                <a:latin typeface="Calibri" panose="020F0502020204030204" pitchFamily="34" charset="0"/>
-              </a:defRPr>
-            </a:lvl5pPr>
-            <a:lvl6pPr marL="2514600" indent="-228600" eaLnBrk="0" fontAlgn="base" hangingPunct="0">
-              <a:spcBef>
-                <a:spcPct val="0"/>
-              </a:spcBef>
-              <a:spcAft>
-                <a:spcPct val="0"/>
-              </a:spcAft>
-              <a:defRPr>
-                <a:solidFill>
-                  <a:schemeClr val="tx1"/>
-                </a:solidFill>
-                <a:latin typeface="Calibri" panose="020F0502020204030204" pitchFamily="34" charset="0"/>
-              </a:defRPr>
-            </a:lvl6pPr>
-            <a:lvl7pPr marL="2971800" indent="-228600" eaLnBrk="0" fontAlgn="base" hangingPunct="0">
-              <a:spcBef>
-                <a:spcPct val="0"/>
-              </a:spcBef>
-              <a:spcAft>
-                <a:spcPct val="0"/>
-              </a:spcAft>
-              <a:defRPr>
-                <a:solidFill>
-                  <a:schemeClr val="tx1"/>
-                </a:solidFill>
-                <a:latin typeface="Calibri" panose="020F0502020204030204" pitchFamily="34" charset="0"/>
-              </a:defRPr>
-            </a:lvl7pPr>
-            <a:lvl8pPr marL="3429000" indent="-228600" eaLnBrk="0" fontAlgn="base" hangingPunct="0">
-              <a:spcBef>
-                <a:spcPct val="0"/>
-              </a:spcBef>
-              <a:spcAft>
-                <a:spcPct val="0"/>
-              </a:spcAft>
-              <a:defRPr>
-                <a:solidFill>
-                  <a:schemeClr val="tx1"/>
-                </a:solidFill>
-                <a:latin typeface="Calibri" panose="020F0502020204030204" pitchFamily="34" charset="0"/>
-              </a:defRPr>
-            </a:lvl8pPr>
-            <a:lvl9pPr marL="3886200" indent="-228600" eaLnBrk="0" fontAlgn="base" hangingPunct="0">
-              <a:spcBef>
-                <a:spcPct val="0"/>
-              </a:spcBef>
-              <a:spcAft>
-                <a:spcPct val="0"/>
-              </a:spcAft>
-              <a:defRPr>
-                <a:solidFill>
-                  <a:schemeClr val="tx1"/>
-                </a:solidFill>
-                <a:latin typeface="Calibri" panose="020F0502020204030204" pitchFamily="34" charset="0"/>
-              </a:defRPr>
-            </a:lvl9pPr>
-          </a:lstStyle>
-          <a:p>
-            <a:pPr algn="ctr" eaLnBrk="1" hangingPunct="1"/>
-            <a:r>
-              <a:rPr lang="en-US" altLang="en-US" sz="1200" i="1" dirty="0">
-                <a:latin typeface="Arial" panose="020B0604020202020204" pitchFamily="34" charset="0"/>
-                <a:cs typeface="Arial" panose="020B0604020202020204" pitchFamily="34" charset="0"/>
-              </a:rPr>
-              <a:t>Device Metrics</a:t>
-            </a:r>
-          </a:p>
-        </p:txBody>
-      </p:sp>
-      <p:sp>
-        <p:nvSpPr>
-          <p:cNvPr id="28" name="Title 3">
-            <a:extLst>
-              <a:ext uri="{FF2B5EF4-FFF2-40B4-BE49-F238E27FC236}">
-                <a16:creationId xmlns:a16="http://schemas.microsoft.com/office/drawing/2014/main" id="{8E56EE28-4E1C-4314-BCEE-C792543F7434}"/>
-              </a:ext>
-            </a:extLst>
-          </p:cNvPr>
-          <p:cNvSpPr txBox="1">
-            <a:spLocks noChangeArrowheads="1"/>
-          </p:cNvSpPr>
-          <p:nvPr/>
-        </p:nvSpPr>
-        <p:spPr>
-          <a:xfrm>
-            <a:off x="1015221" y="348518"/>
-            <a:ext cx="10108648" cy="644525"/>
-          </a:xfrm>
-          <a:prstGeom prst="rect">
-            <a:avLst/>
-          </a:prstGeom>
-        </p:spPr>
-        <p:txBody>
-          <a:bodyPr/>
-          <a:lstStyle>
-            <a:lvl1pPr algn="l" defTabSz="914400" rtl="0" eaLnBrk="1" latinLnBrk="0" hangingPunct="1">
-              <a:lnSpc>
-                <a:spcPct val="90000"/>
-              </a:lnSpc>
-              <a:spcBef>
-                <a:spcPct val="0"/>
-              </a:spcBef>
-              <a:buNone/>
-              <a:defRPr sz="4400" kern="1200">
-                <a:solidFill>
-                  <a:schemeClr val="tx1"/>
-                </a:solidFill>
-                <a:latin typeface="+mj-lt"/>
-                <a:ea typeface="+mj-ea"/>
-                <a:cs typeface="+mj-cs"/>
-              </a:defRPr>
-            </a:lvl1pPr>
-          </a:lstStyle>
-          <a:p>
-            <a:pPr algn="ctr"/>
-            <a:r>
-              <a:rPr lang="en-US" altLang="en-US" sz="3600" dirty="0">
-                <a:solidFill>
-                  <a:srgbClr val="FF0000"/>
-                </a:solidFill>
-              </a:rPr>
-              <a:t>Previous version (for reference only)</a:t>
-            </a:r>
-          </a:p>
-        </p:txBody>
-      </p:sp>
-      <p:pic>
-        <p:nvPicPr>
-          <p:cNvPr id="32" name="Graphic 7">
-            <a:extLst>
-              <a:ext uri="{FF2B5EF4-FFF2-40B4-BE49-F238E27FC236}">
-                <a16:creationId xmlns:a16="http://schemas.microsoft.com/office/drawing/2014/main" id="{AC44BFCB-860A-4E10-9A31-CE9540ED655B}"/>
-              </a:ext>
-            </a:extLst>
-          </p:cNvPr>
-          <p:cNvPicPr>
-            <a:picLocks noChangeAspect="1" noChangeArrowheads="1"/>
-          </p:cNvPicPr>
-          <p:nvPr/>
-        </p:nvPicPr>
-        <p:blipFill>
-          <a:blip r:embed="rId4" cstate="hqprint">
-            <a:extLst>
-              <a:ext uri="{28A0092B-C50C-407E-A947-70E740481C1C}">
-                <a14:useLocalDpi xmlns:a14="http://schemas.microsoft.com/office/drawing/2010/main" val="0"/>
-              </a:ext>
-            </a:extLst>
-          </a:blip>
-          <a:srcRect/>
-          <a:stretch>
-            <a:fillRect/>
-          </a:stretch>
-        </p:blipFill>
-        <p:spPr bwMode="auto">
-          <a:xfrm>
-            <a:off x="8052649" y="1486715"/>
-            <a:ext cx="762000" cy="762000"/>
-          </a:xfrm>
-          <a:prstGeom prst="rect">
-            <a:avLst/>
-          </a:prstGeom>
-          <a:noFill/>
-          <a:ln>
-            <a:noFill/>
-          </a:ln>
-          <a:extLst>
-            <a:ext uri="{909E8E84-426E-40DD-AFC4-6F175D3DCCD1}">
-              <a14:hiddenFill xmlns:a14="http://schemas.microsoft.com/office/drawing/2010/main">
-                <a:solidFill>
-                  <a:srgbClr val="FFFFFF"/>
-                </a:solidFill>
-              </a14:hiddenFill>
-            </a:ext>
-            <a:ext uri="{91240B29-F687-4F45-9708-019B960494DF}">
-              <a14:hiddenLine xmlns:a14="http://schemas.microsoft.com/office/drawing/2010/main" w="9525">
-                <a:solidFill>
-                  <a:srgbClr val="000000"/>
-                </a:solidFill>
-                <a:miter lim="800000"/>
-                <a:headEnd/>
-                <a:tailEnd/>
-              </a14:hiddenLine>
-            </a:ext>
-          </a:extLst>
-        </p:spPr>
-      </p:pic>
-      <p:sp>
-        <p:nvSpPr>
-          <p:cNvPr id="34" name="TextBox 10">
-            <a:extLst>
-              <a:ext uri="{FF2B5EF4-FFF2-40B4-BE49-F238E27FC236}">
-                <a16:creationId xmlns:a16="http://schemas.microsoft.com/office/drawing/2014/main" id="{B1CABB76-13BF-47B1-BA18-C0A34763F4CA}"/>
-              </a:ext>
-            </a:extLst>
-          </p:cNvPr>
-          <p:cNvSpPr txBox="1">
-            <a:spLocks noChangeArrowheads="1"/>
-          </p:cNvSpPr>
-          <p:nvPr/>
-        </p:nvSpPr>
-        <p:spPr bwMode="auto">
-          <a:xfrm>
-            <a:off x="7357930" y="2225568"/>
-            <a:ext cx="2268537" cy="307975"/>
-          </a:xfrm>
-          <a:prstGeom prst="rect">
-            <a:avLst/>
-          </a:prstGeom>
-          <a:noFill/>
-          <a:ln>
-            <a:noFill/>
-          </a:ln>
-          <a:extLst>
-            <a:ext uri="{909E8E84-426E-40DD-AFC4-6F175D3DCCD1}">
-              <a14:hiddenFill xmlns:a14="http://schemas.microsoft.com/office/drawing/2010/main">
-                <a:solidFill>
-                  <a:srgbClr val="FFFFFF"/>
-                </a:solidFill>
-              </a14:hiddenFill>
-            </a:ext>
-            <a:ext uri="{91240B29-F687-4F45-9708-019B960494DF}">
-              <a14:hiddenLine xmlns:a14="http://schemas.microsoft.com/office/drawing/2010/main" w="9525">
-                <a:solidFill>
-                  <a:srgbClr val="000000"/>
-                </a:solidFill>
-                <a:miter lim="800000"/>
-                <a:headEnd/>
-                <a:tailEnd/>
-              </a14:hiddenLine>
-            </a:ext>
-          </a:extLst>
-        </p:spPr>
-        <p:txBody>
-          <a:bodyPr>
-            <a:spAutoFit/>
-          </a:bodyPr>
-          <a:lstStyle>
-            <a:lvl1pPr>
-              <a:defRPr>
-                <a:solidFill>
-                  <a:schemeClr val="tx1"/>
-                </a:solidFill>
-                <a:latin typeface="Calibri" panose="020F0502020204030204" pitchFamily="34" charset="0"/>
-              </a:defRPr>
-            </a:lvl1pPr>
-            <a:lvl2pPr marL="742950" indent="-285750">
-              <a:defRPr>
-                <a:solidFill>
-                  <a:schemeClr val="tx1"/>
-                </a:solidFill>
-                <a:latin typeface="Calibri" panose="020F0502020204030204" pitchFamily="34" charset="0"/>
-              </a:defRPr>
-            </a:lvl2pPr>
-            <a:lvl3pPr marL="1143000" indent="-228600">
-              <a:defRPr>
-                <a:solidFill>
-                  <a:schemeClr val="tx1"/>
-                </a:solidFill>
-                <a:latin typeface="Calibri" panose="020F0502020204030204" pitchFamily="34" charset="0"/>
-              </a:defRPr>
-            </a:lvl3pPr>
-            <a:lvl4pPr marL="1600200" indent="-228600">
-              <a:defRPr>
-                <a:solidFill>
-                  <a:schemeClr val="tx1"/>
-                </a:solidFill>
-                <a:latin typeface="Calibri" panose="020F0502020204030204" pitchFamily="34" charset="0"/>
-              </a:defRPr>
-            </a:lvl4pPr>
-            <a:lvl5pPr marL="2057400" indent="-228600">
-              <a:defRPr>
-                <a:solidFill>
-                  <a:schemeClr val="tx1"/>
-                </a:solidFill>
-                <a:latin typeface="Calibri" panose="020F0502020204030204" pitchFamily="34" charset="0"/>
-              </a:defRPr>
-            </a:lvl5pPr>
-            <a:lvl6pPr marL="2514600" indent="-228600" eaLnBrk="0" fontAlgn="base" hangingPunct="0">
-              <a:spcBef>
-                <a:spcPct val="0"/>
-              </a:spcBef>
-              <a:spcAft>
-                <a:spcPct val="0"/>
-              </a:spcAft>
-              <a:defRPr>
-                <a:solidFill>
-                  <a:schemeClr val="tx1"/>
-                </a:solidFill>
-                <a:latin typeface="Calibri" panose="020F0502020204030204" pitchFamily="34" charset="0"/>
-              </a:defRPr>
-            </a:lvl6pPr>
-            <a:lvl7pPr marL="2971800" indent="-228600" eaLnBrk="0" fontAlgn="base" hangingPunct="0">
-              <a:spcBef>
-                <a:spcPct val="0"/>
-              </a:spcBef>
-              <a:spcAft>
-                <a:spcPct val="0"/>
-              </a:spcAft>
-              <a:defRPr>
-                <a:solidFill>
-                  <a:schemeClr val="tx1"/>
-                </a:solidFill>
-                <a:latin typeface="Calibri" panose="020F0502020204030204" pitchFamily="34" charset="0"/>
-              </a:defRPr>
-            </a:lvl7pPr>
-            <a:lvl8pPr marL="3429000" indent="-228600" eaLnBrk="0" fontAlgn="base" hangingPunct="0">
-              <a:spcBef>
-                <a:spcPct val="0"/>
-              </a:spcBef>
-              <a:spcAft>
-                <a:spcPct val="0"/>
-              </a:spcAft>
-              <a:defRPr>
-                <a:solidFill>
-                  <a:schemeClr val="tx1"/>
-                </a:solidFill>
-                <a:latin typeface="Calibri" panose="020F0502020204030204" pitchFamily="34" charset="0"/>
-              </a:defRPr>
-            </a:lvl8pPr>
-            <a:lvl9pPr marL="3886200" indent="-228600" eaLnBrk="0" fontAlgn="base" hangingPunct="0">
-              <a:spcBef>
-                <a:spcPct val="0"/>
-              </a:spcBef>
-              <a:spcAft>
-                <a:spcPct val="0"/>
-              </a:spcAft>
-              <a:defRPr>
-                <a:solidFill>
-                  <a:schemeClr val="tx1"/>
-                </a:solidFill>
-                <a:latin typeface="Calibri" panose="020F0502020204030204" pitchFamily="34" charset="0"/>
-              </a:defRPr>
-            </a:lvl9pPr>
-          </a:lstStyle>
-          <a:p>
-            <a:pPr algn="ctr" eaLnBrk="1" hangingPunct="1"/>
-            <a:r>
-              <a:rPr lang="en-US" altLang="en-US" sz="1400" dirty="0">
-                <a:latin typeface="Arial" panose="020B0604020202020204" pitchFamily="34" charset="0"/>
-                <a:ea typeface="Amazon Ember" panose="020B0603020204020204" pitchFamily="34" charset="0"/>
-                <a:cs typeface="Arial" panose="020B0604020202020204" pitchFamily="34" charset="0"/>
-              </a:rPr>
-              <a:t>Amazon QuickSight</a:t>
-            </a:r>
-          </a:p>
-        </p:txBody>
-      </p:sp>
-      <p:pic>
-        <p:nvPicPr>
-          <p:cNvPr id="36" name="Graphic 21">
-            <a:extLst>
-              <a:ext uri="{FF2B5EF4-FFF2-40B4-BE49-F238E27FC236}">
-                <a16:creationId xmlns:a16="http://schemas.microsoft.com/office/drawing/2014/main" id="{E7CA3222-F768-4208-8A95-A09CCE0CD40D}"/>
-              </a:ext>
-            </a:extLst>
-          </p:cNvPr>
-          <p:cNvPicPr>
-            <a:picLocks noChangeAspect="1" noChangeArrowheads="1"/>
-          </p:cNvPicPr>
-          <p:nvPr/>
-        </p:nvPicPr>
-        <p:blipFill>
-          <a:blip r:embed="rId5" cstate="hqprint">
-            <a:extLst>
-              <a:ext uri="{28A0092B-C50C-407E-A947-70E740481C1C}">
-                <a14:useLocalDpi xmlns:a14="http://schemas.microsoft.com/office/drawing/2010/main" val="0"/>
-              </a:ext>
-            </a:extLst>
-          </a:blip>
-          <a:srcRect/>
-          <a:stretch>
-            <a:fillRect/>
-          </a:stretch>
-        </p:blipFill>
-        <p:spPr bwMode="auto">
-          <a:xfrm>
-            <a:off x="6260854" y="1488315"/>
-            <a:ext cx="762000" cy="762000"/>
-          </a:xfrm>
-          <a:prstGeom prst="rect">
-            <a:avLst/>
-          </a:prstGeom>
-          <a:noFill/>
-          <a:ln>
-            <a:noFill/>
-          </a:ln>
-          <a:extLst>
-            <a:ext uri="{909E8E84-426E-40DD-AFC4-6F175D3DCCD1}">
-              <a14:hiddenFill xmlns:a14="http://schemas.microsoft.com/office/drawing/2010/main">
-                <a:solidFill>
-                  <a:srgbClr val="FFFFFF"/>
-                </a:solidFill>
-              </a14:hiddenFill>
-            </a:ext>
-            <a:ext uri="{91240B29-F687-4F45-9708-019B960494DF}">
-              <a14:hiddenLine xmlns:a14="http://schemas.microsoft.com/office/drawing/2010/main" w="9525">
-                <a:solidFill>
-                  <a:srgbClr val="000000"/>
-                </a:solidFill>
-                <a:miter lim="800000"/>
-                <a:headEnd/>
-                <a:tailEnd/>
-              </a14:hiddenLine>
-            </a:ext>
-          </a:extLst>
-        </p:spPr>
-      </p:pic>
-      <p:sp>
-        <p:nvSpPr>
-          <p:cNvPr id="37" name="TextBox 12">
-            <a:extLst>
-              <a:ext uri="{FF2B5EF4-FFF2-40B4-BE49-F238E27FC236}">
-                <a16:creationId xmlns:a16="http://schemas.microsoft.com/office/drawing/2014/main" id="{EC0A37F5-E39C-4371-80C5-1BF478F4F312}"/>
-              </a:ext>
-            </a:extLst>
-          </p:cNvPr>
-          <p:cNvSpPr txBox="1">
-            <a:spLocks noChangeArrowheads="1"/>
-          </p:cNvSpPr>
-          <p:nvPr/>
-        </p:nvSpPr>
-        <p:spPr bwMode="auto">
-          <a:xfrm>
-            <a:off x="5502029" y="2255568"/>
-            <a:ext cx="2279650" cy="307975"/>
-          </a:xfrm>
-          <a:prstGeom prst="rect">
-            <a:avLst/>
-          </a:prstGeom>
-          <a:noFill/>
-          <a:ln>
-            <a:noFill/>
-          </a:ln>
-          <a:extLst>
-            <a:ext uri="{909E8E84-426E-40DD-AFC4-6F175D3DCCD1}">
-              <a14:hiddenFill xmlns:a14="http://schemas.microsoft.com/office/drawing/2010/main">
-                <a:solidFill>
-                  <a:srgbClr val="FFFFFF"/>
-                </a:solidFill>
-              </a14:hiddenFill>
-            </a:ext>
-            <a:ext uri="{91240B29-F687-4F45-9708-019B960494DF}">
-              <a14:hiddenLine xmlns:a14="http://schemas.microsoft.com/office/drawing/2010/main" w="9525">
-                <a:solidFill>
-                  <a:srgbClr val="000000"/>
-                </a:solidFill>
-                <a:miter lim="800000"/>
-                <a:headEnd/>
-                <a:tailEnd/>
-              </a14:hiddenLine>
-            </a:ext>
-          </a:extLst>
-        </p:spPr>
-        <p:txBody>
-          <a:bodyPr>
-            <a:spAutoFit/>
-          </a:bodyPr>
-          <a:lstStyle>
-            <a:lvl1pPr>
-              <a:defRPr>
-                <a:solidFill>
-                  <a:schemeClr val="tx1"/>
-                </a:solidFill>
-                <a:latin typeface="Calibri" panose="020F0502020204030204" pitchFamily="34" charset="0"/>
-              </a:defRPr>
-            </a:lvl1pPr>
-            <a:lvl2pPr marL="742950" indent="-285750">
-              <a:defRPr>
-                <a:solidFill>
-                  <a:schemeClr val="tx1"/>
-                </a:solidFill>
-                <a:latin typeface="Calibri" panose="020F0502020204030204" pitchFamily="34" charset="0"/>
-              </a:defRPr>
-            </a:lvl2pPr>
-            <a:lvl3pPr marL="1143000" indent="-228600">
-              <a:defRPr>
-                <a:solidFill>
-                  <a:schemeClr val="tx1"/>
-                </a:solidFill>
-                <a:latin typeface="Calibri" panose="020F0502020204030204" pitchFamily="34" charset="0"/>
-              </a:defRPr>
-            </a:lvl3pPr>
-            <a:lvl4pPr marL="1600200" indent="-228600">
-              <a:defRPr>
-                <a:solidFill>
-                  <a:schemeClr val="tx1"/>
-                </a:solidFill>
-                <a:latin typeface="Calibri" panose="020F0502020204030204" pitchFamily="34" charset="0"/>
-              </a:defRPr>
-            </a:lvl4pPr>
-            <a:lvl5pPr marL="2057400" indent="-228600">
-              <a:defRPr>
-                <a:solidFill>
-                  <a:schemeClr val="tx1"/>
-                </a:solidFill>
-                <a:latin typeface="Calibri" panose="020F0502020204030204" pitchFamily="34" charset="0"/>
-              </a:defRPr>
-            </a:lvl5pPr>
-            <a:lvl6pPr marL="2514600" indent="-228600" eaLnBrk="0" fontAlgn="base" hangingPunct="0">
-              <a:spcBef>
-                <a:spcPct val="0"/>
-              </a:spcBef>
-              <a:spcAft>
-                <a:spcPct val="0"/>
-              </a:spcAft>
-              <a:defRPr>
-                <a:solidFill>
-                  <a:schemeClr val="tx1"/>
-                </a:solidFill>
-                <a:latin typeface="Calibri" panose="020F0502020204030204" pitchFamily="34" charset="0"/>
-              </a:defRPr>
-            </a:lvl6pPr>
-            <a:lvl7pPr marL="2971800" indent="-228600" eaLnBrk="0" fontAlgn="base" hangingPunct="0">
-              <a:spcBef>
-                <a:spcPct val="0"/>
-              </a:spcBef>
-              <a:spcAft>
-                <a:spcPct val="0"/>
-              </a:spcAft>
-              <a:defRPr>
-                <a:solidFill>
-                  <a:schemeClr val="tx1"/>
-                </a:solidFill>
-                <a:latin typeface="Calibri" panose="020F0502020204030204" pitchFamily="34" charset="0"/>
-              </a:defRPr>
-            </a:lvl7pPr>
-            <a:lvl8pPr marL="3429000" indent="-228600" eaLnBrk="0" fontAlgn="base" hangingPunct="0">
-              <a:spcBef>
-                <a:spcPct val="0"/>
-              </a:spcBef>
-              <a:spcAft>
-                <a:spcPct val="0"/>
-              </a:spcAft>
-              <a:defRPr>
-                <a:solidFill>
-                  <a:schemeClr val="tx1"/>
-                </a:solidFill>
-                <a:latin typeface="Calibri" panose="020F0502020204030204" pitchFamily="34" charset="0"/>
-              </a:defRPr>
-            </a:lvl8pPr>
-            <a:lvl9pPr marL="3886200" indent="-228600" eaLnBrk="0" fontAlgn="base" hangingPunct="0">
-              <a:spcBef>
-                <a:spcPct val="0"/>
-              </a:spcBef>
-              <a:spcAft>
-                <a:spcPct val="0"/>
-              </a:spcAft>
-              <a:defRPr>
-                <a:solidFill>
-                  <a:schemeClr val="tx1"/>
-                </a:solidFill>
-                <a:latin typeface="Calibri" panose="020F0502020204030204" pitchFamily="34" charset="0"/>
-              </a:defRPr>
-            </a:lvl9pPr>
-          </a:lstStyle>
-          <a:p>
-            <a:pPr algn="ctr" eaLnBrk="1" hangingPunct="1"/>
-            <a:r>
-              <a:rPr lang="en-US" altLang="en-US" sz="1400" dirty="0">
-                <a:latin typeface="Arial" panose="020B0604020202020204" pitchFamily="34" charset="0"/>
-                <a:ea typeface="Amazon Ember" panose="020B0603020204020204" pitchFamily="34" charset="0"/>
-                <a:cs typeface="Arial" panose="020B0604020202020204" pitchFamily="34" charset="0"/>
-              </a:rPr>
-              <a:t>AWS loT Analytics</a:t>
-            </a:r>
-          </a:p>
-        </p:txBody>
-      </p:sp>
-      <p:pic>
-        <p:nvPicPr>
-          <p:cNvPr id="38" name="Graphic 6">
-            <a:extLst>
-              <a:ext uri="{FF2B5EF4-FFF2-40B4-BE49-F238E27FC236}">
-                <a16:creationId xmlns:a16="http://schemas.microsoft.com/office/drawing/2014/main" id="{7B14F955-04A9-4246-8B5B-708670E78714}"/>
-              </a:ext>
-            </a:extLst>
-          </p:cNvPr>
-          <p:cNvPicPr>
-            <a:picLocks noChangeAspect="1" noChangeArrowheads="1"/>
-          </p:cNvPicPr>
-          <p:nvPr/>
-        </p:nvPicPr>
-        <p:blipFill>
-          <a:blip r:embed="rId6" cstate="hqprint">
-            <a:extLst>
-              <a:ext uri="{28A0092B-C50C-407E-A947-70E740481C1C}">
-                <a14:useLocalDpi xmlns:a14="http://schemas.microsoft.com/office/drawing/2010/main" val="0"/>
-              </a:ext>
-            </a:extLst>
-          </a:blip>
-          <a:srcRect/>
-          <a:stretch>
-            <a:fillRect/>
-          </a:stretch>
-        </p:blipFill>
-        <p:spPr bwMode="auto">
-          <a:xfrm>
-            <a:off x="4647991" y="2719132"/>
-            <a:ext cx="762000" cy="762000"/>
-          </a:xfrm>
-          <a:prstGeom prst="rect">
-            <a:avLst/>
-          </a:prstGeom>
-          <a:noFill/>
-          <a:ln>
-            <a:noFill/>
-          </a:ln>
-          <a:extLst>
-            <a:ext uri="{909E8E84-426E-40DD-AFC4-6F175D3DCCD1}">
-              <a14:hiddenFill xmlns:a14="http://schemas.microsoft.com/office/drawing/2010/main">
-                <a:solidFill>
-                  <a:srgbClr val="FFFFFF"/>
-                </a:solidFill>
-              </a14:hiddenFill>
-            </a:ext>
-            <a:ext uri="{91240B29-F687-4F45-9708-019B960494DF}">
-              <a14:hiddenLine xmlns:a14="http://schemas.microsoft.com/office/drawing/2010/main" w="9525">
-                <a:solidFill>
-                  <a:srgbClr val="000000"/>
-                </a:solidFill>
-                <a:miter lim="800000"/>
-                <a:headEnd/>
-                <a:tailEnd/>
-              </a14:hiddenLine>
-            </a:ext>
-          </a:extLst>
-        </p:spPr>
-      </p:pic>
-      <p:sp>
-        <p:nvSpPr>
-          <p:cNvPr id="39" name="TextBox 9">
-            <a:extLst>
-              <a:ext uri="{FF2B5EF4-FFF2-40B4-BE49-F238E27FC236}">
-                <a16:creationId xmlns:a16="http://schemas.microsoft.com/office/drawing/2014/main" id="{D74A4489-6EF9-4C42-8389-DEA841189CC2}"/>
-              </a:ext>
-            </a:extLst>
-          </p:cNvPr>
-          <p:cNvSpPr txBox="1">
-            <a:spLocks noChangeArrowheads="1"/>
-          </p:cNvSpPr>
-          <p:nvPr/>
-        </p:nvSpPr>
-        <p:spPr bwMode="auto">
-          <a:xfrm>
-            <a:off x="4459279" y="3562801"/>
-            <a:ext cx="1050413" cy="523220"/>
-          </a:xfrm>
-          <a:prstGeom prst="rect">
-            <a:avLst/>
-          </a:prstGeom>
-          <a:noFill/>
-          <a:ln>
-            <a:noFill/>
-          </a:ln>
-          <a:extLst>
-            <a:ext uri="{909E8E84-426E-40DD-AFC4-6F175D3DCCD1}">
-              <a14:hiddenFill xmlns:a14="http://schemas.microsoft.com/office/drawing/2010/main">
-                <a:solidFill>
-                  <a:srgbClr val="FFFFFF"/>
-                </a:solidFill>
-              </a14:hiddenFill>
-            </a:ext>
-            <a:ext uri="{91240B29-F687-4F45-9708-019B960494DF}">
-              <a14:hiddenLine xmlns:a14="http://schemas.microsoft.com/office/drawing/2010/main" w="9525">
-                <a:solidFill>
-                  <a:srgbClr val="000000"/>
-                </a:solidFill>
-                <a:miter lim="800000"/>
-                <a:headEnd/>
-                <a:tailEnd/>
-              </a14:hiddenLine>
-            </a:ext>
-          </a:extLst>
-        </p:spPr>
-        <p:txBody>
-          <a:bodyPr wrap="square">
-            <a:spAutoFit/>
-          </a:bodyPr>
-          <a:lstStyle>
-            <a:lvl1pPr>
-              <a:defRPr>
-                <a:solidFill>
-                  <a:schemeClr val="tx1"/>
-                </a:solidFill>
-                <a:latin typeface="Calibri" panose="020F0502020204030204" pitchFamily="34" charset="0"/>
-              </a:defRPr>
-            </a:lvl1pPr>
-            <a:lvl2pPr marL="742950" indent="-285750">
-              <a:defRPr>
-                <a:solidFill>
-                  <a:schemeClr val="tx1"/>
-                </a:solidFill>
-                <a:latin typeface="Calibri" panose="020F0502020204030204" pitchFamily="34" charset="0"/>
-              </a:defRPr>
-            </a:lvl2pPr>
-            <a:lvl3pPr marL="1143000" indent="-228600">
-              <a:defRPr>
-                <a:solidFill>
-                  <a:schemeClr val="tx1"/>
-                </a:solidFill>
-                <a:latin typeface="Calibri" panose="020F0502020204030204" pitchFamily="34" charset="0"/>
-              </a:defRPr>
-            </a:lvl3pPr>
-            <a:lvl4pPr marL="1600200" indent="-228600">
-              <a:defRPr>
-                <a:solidFill>
-                  <a:schemeClr val="tx1"/>
-                </a:solidFill>
-                <a:latin typeface="Calibri" panose="020F0502020204030204" pitchFamily="34" charset="0"/>
-              </a:defRPr>
-            </a:lvl4pPr>
-            <a:lvl5pPr marL="2057400" indent="-228600">
-              <a:defRPr>
-                <a:solidFill>
-                  <a:schemeClr val="tx1"/>
-                </a:solidFill>
-                <a:latin typeface="Calibri" panose="020F0502020204030204" pitchFamily="34" charset="0"/>
-              </a:defRPr>
-            </a:lvl5pPr>
-            <a:lvl6pPr marL="2514600" indent="-228600" eaLnBrk="0" fontAlgn="base" hangingPunct="0">
-              <a:spcBef>
-                <a:spcPct val="0"/>
-              </a:spcBef>
-              <a:spcAft>
-                <a:spcPct val="0"/>
-              </a:spcAft>
-              <a:defRPr>
-                <a:solidFill>
-                  <a:schemeClr val="tx1"/>
-                </a:solidFill>
-                <a:latin typeface="Calibri" panose="020F0502020204030204" pitchFamily="34" charset="0"/>
-              </a:defRPr>
-            </a:lvl6pPr>
-            <a:lvl7pPr marL="2971800" indent="-228600" eaLnBrk="0" fontAlgn="base" hangingPunct="0">
-              <a:spcBef>
-                <a:spcPct val="0"/>
-              </a:spcBef>
-              <a:spcAft>
-                <a:spcPct val="0"/>
-              </a:spcAft>
-              <a:defRPr>
-                <a:solidFill>
-                  <a:schemeClr val="tx1"/>
-                </a:solidFill>
-                <a:latin typeface="Calibri" panose="020F0502020204030204" pitchFamily="34" charset="0"/>
-              </a:defRPr>
-            </a:lvl7pPr>
-            <a:lvl8pPr marL="3429000" indent="-228600" eaLnBrk="0" fontAlgn="base" hangingPunct="0">
-              <a:spcBef>
-                <a:spcPct val="0"/>
-              </a:spcBef>
-              <a:spcAft>
-                <a:spcPct val="0"/>
-              </a:spcAft>
-              <a:defRPr>
-                <a:solidFill>
-                  <a:schemeClr val="tx1"/>
-                </a:solidFill>
-                <a:latin typeface="Calibri" panose="020F0502020204030204" pitchFamily="34" charset="0"/>
-              </a:defRPr>
-            </a:lvl8pPr>
-            <a:lvl9pPr marL="3886200" indent="-228600" eaLnBrk="0" fontAlgn="base" hangingPunct="0">
-              <a:spcBef>
-                <a:spcPct val="0"/>
-              </a:spcBef>
-              <a:spcAft>
-                <a:spcPct val="0"/>
-              </a:spcAft>
-              <a:defRPr>
-                <a:solidFill>
-                  <a:schemeClr val="tx1"/>
-                </a:solidFill>
-                <a:latin typeface="Calibri" panose="020F0502020204030204" pitchFamily="34" charset="0"/>
-              </a:defRPr>
-            </a:lvl9pPr>
-          </a:lstStyle>
-          <a:p>
-            <a:pPr algn="ctr" eaLnBrk="1" hangingPunct="1"/>
-            <a:r>
-              <a:rPr lang="en-US" altLang="en-US" sz="1400" dirty="0">
-                <a:latin typeface="Arial" panose="020B0604020202020204" pitchFamily="34" charset="0"/>
-                <a:ea typeface="Amazon Ember" panose="020B0603020204020204" pitchFamily="34" charset="0"/>
-                <a:cs typeface="Arial" panose="020B0604020202020204" pitchFamily="34" charset="0"/>
-              </a:rPr>
-              <a:t>AWS loT Core</a:t>
-            </a:r>
-          </a:p>
-        </p:txBody>
-      </p:sp>
-      <p:pic>
-        <p:nvPicPr>
-          <p:cNvPr id="40" name="Graphic 17">
-            <a:extLst>
-              <a:ext uri="{FF2B5EF4-FFF2-40B4-BE49-F238E27FC236}">
-                <a16:creationId xmlns:a16="http://schemas.microsoft.com/office/drawing/2014/main" id="{A08B7917-0113-4121-AE23-7D907597515B}"/>
-              </a:ext>
-            </a:extLst>
-          </p:cNvPr>
-          <p:cNvPicPr>
-            <a:picLocks noChangeAspect="1" noChangeArrowheads="1"/>
-          </p:cNvPicPr>
-          <p:nvPr/>
-        </p:nvPicPr>
-        <p:blipFill>
-          <a:blip r:embed="rId7" cstate="hqprint">
-            <a:extLst>
-              <a:ext uri="{28A0092B-C50C-407E-A947-70E740481C1C}">
-                <a14:useLocalDpi xmlns:a14="http://schemas.microsoft.com/office/drawing/2010/main" val="0"/>
-              </a:ext>
-            </a:extLst>
-          </a:blip>
-          <a:srcRect/>
-          <a:stretch>
-            <a:fillRect/>
-          </a:stretch>
-        </p:blipFill>
-        <p:spPr bwMode="auto">
-          <a:xfrm>
-            <a:off x="8093685" y="4025936"/>
-            <a:ext cx="762000" cy="762000"/>
-          </a:xfrm>
-          <a:prstGeom prst="rect">
-            <a:avLst/>
-          </a:prstGeom>
-          <a:noFill/>
-          <a:ln>
-            <a:noFill/>
-          </a:ln>
-          <a:extLst>
-            <a:ext uri="{909E8E84-426E-40DD-AFC4-6F175D3DCCD1}">
-              <a14:hiddenFill xmlns:a14="http://schemas.microsoft.com/office/drawing/2010/main">
-                <a:solidFill>
-                  <a:srgbClr val="FFFFFF"/>
-                </a:solidFill>
-              </a14:hiddenFill>
-            </a:ext>
-            <a:ext uri="{91240B29-F687-4F45-9708-019B960494DF}">
-              <a14:hiddenLine xmlns:a14="http://schemas.microsoft.com/office/drawing/2010/main" w="9525">
-                <a:solidFill>
-                  <a:srgbClr val="000000"/>
-                </a:solidFill>
-                <a:miter lim="800000"/>
-                <a:headEnd/>
-                <a:tailEnd/>
-              </a14:hiddenLine>
-            </a:ext>
-          </a:extLst>
-        </p:spPr>
-      </p:pic>
-      <p:sp>
-        <p:nvSpPr>
-          <p:cNvPr id="41" name="TextBox 9">
-            <a:extLst>
-              <a:ext uri="{FF2B5EF4-FFF2-40B4-BE49-F238E27FC236}">
-                <a16:creationId xmlns:a16="http://schemas.microsoft.com/office/drawing/2014/main" id="{510BB2DD-214C-4048-8B13-0A2F20D1B4B3}"/>
-              </a:ext>
-            </a:extLst>
-          </p:cNvPr>
-          <p:cNvSpPr txBox="1">
-            <a:spLocks noChangeArrowheads="1"/>
-          </p:cNvSpPr>
-          <p:nvPr/>
-        </p:nvSpPr>
-        <p:spPr bwMode="auto">
-          <a:xfrm>
-            <a:off x="7357930" y="4824491"/>
-            <a:ext cx="2243137" cy="307975"/>
-          </a:xfrm>
-          <a:prstGeom prst="rect">
-            <a:avLst/>
-          </a:prstGeom>
-          <a:noFill/>
-          <a:ln>
-            <a:noFill/>
-          </a:ln>
-          <a:extLst>
-            <a:ext uri="{909E8E84-426E-40DD-AFC4-6F175D3DCCD1}">
-              <a14:hiddenFill xmlns:a14="http://schemas.microsoft.com/office/drawing/2010/main">
-                <a:solidFill>
-                  <a:srgbClr val="FFFFFF"/>
-                </a:solidFill>
-              </a14:hiddenFill>
-            </a:ext>
-            <a:ext uri="{91240B29-F687-4F45-9708-019B960494DF}">
-              <a14:hiddenLine xmlns:a14="http://schemas.microsoft.com/office/drawing/2010/main" w="9525">
-                <a:solidFill>
-                  <a:srgbClr val="000000"/>
-                </a:solidFill>
-                <a:miter lim="800000"/>
-                <a:headEnd/>
-                <a:tailEnd/>
-              </a14:hiddenLine>
-            </a:ext>
-          </a:extLst>
-        </p:spPr>
-        <p:txBody>
-          <a:bodyPr>
-            <a:spAutoFit/>
-          </a:bodyPr>
-          <a:lstStyle>
-            <a:lvl1pPr>
-              <a:defRPr>
-                <a:solidFill>
-                  <a:schemeClr val="tx1"/>
-                </a:solidFill>
-                <a:latin typeface="Calibri" panose="020F0502020204030204" pitchFamily="34" charset="0"/>
-              </a:defRPr>
-            </a:lvl1pPr>
-            <a:lvl2pPr marL="742950" indent="-285750">
-              <a:defRPr>
-                <a:solidFill>
-                  <a:schemeClr val="tx1"/>
-                </a:solidFill>
-                <a:latin typeface="Calibri" panose="020F0502020204030204" pitchFamily="34" charset="0"/>
-              </a:defRPr>
-            </a:lvl2pPr>
-            <a:lvl3pPr marL="1143000" indent="-228600">
-              <a:defRPr>
-                <a:solidFill>
-                  <a:schemeClr val="tx1"/>
-                </a:solidFill>
-                <a:latin typeface="Calibri" panose="020F0502020204030204" pitchFamily="34" charset="0"/>
-              </a:defRPr>
-            </a:lvl3pPr>
-            <a:lvl4pPr marL="1600200" indent="-228600">
-              <a:defRPr>
-                <a:solidFill>
-                  <a:schemeClr val="tx1"/>
-                </a:solidFill>
-                <a:latin typeface="Calibri" panose="020F0502020204030204" pitchFamily="34" charset="0"/>
-              </a:defRPr>
-            </a:lvl4pPr>
-            <a:lvl5pPr marL="2057400" indent="-228600">
-              <a:defRPr>
-                <a:solidFill>
-                  <a:schemeClr val="tx1"/>
-                </a:solidFill>
-                <a:latin typeface="Calibri" panose="020F0502020204030204" pitchFamily="34" charset="0"/>
-              </a:defRPr>
-            </a:lvl5pPr>
-            <a:lvl6pPr marL="2514600" indent="-228600" eaLnBrk="0" fontAlgn="base" hangingPunct="0">
-              <a:spcBef>
-                <a:spcPct val="0"/>
-              </a:spcBef>
-              <a:spcAft>
-                <a:spcPct val="0"/>
-              </a:spcAft>
-              <a:defRPr>
-                <a:solidFill>
-                  <a:schemeClr val="tx1"/>
-                </a:solidFill>
-                <a:latin typeface="Calibri" panose="020F0502020204030204" pitchFamily="34" charset="0"/>
-              </a:defRPr>
-            </a:lvl6pPr>
-            <a:lvl7pPr marL="2971800" indent="-228600" eaLnBrk="0" fontAlgn="base" hangingPunct="0">
-              <a:spcBef>
-                <a:spcPct val="0"/>
-              </a:spcBef>
-              <a:spcAft>
-                <a:spcPct val="0"/>
-              </a:spcAft>
-              <a:defRPr>
-                <a:solidFill>
-                  <a:schemeClr val="tx1"/>
-                </a:solidFill>
-                <a:latin typeface="Calibri" panose="020F0502020204030204" pitchFamily="34" charset="0"/>
-              </a:defRPr>
-            </a:lvl7pPr>
-            <a:lvl8pPr marL="3429000" indent="-228600" eaLnBrk="0" fontAlgn="base" hangingPunct="0">
-              <a:spcBef>
-                <a:spcPct val="0"/>
-              </a:spcBef>
-              <a:spcAft>
-                <a:spcPct val="0"/>
-              </a:spcAft>
-              <a:defRPr>
-                <a:solidFill>
-                  <a:schemeClr val="tx1"/>
-                </a:solidFill>
-                <a:latin typeface="Calibri" panose="020F0502020204030204" pitchFamily="34" charset="0"/>
-              </a:defRPr>
-            </a:lvl8pPr>
-            <a:lvl9pPr marL="3886200" indent="-228600" eaLnBrk="0" fontAlgn="base" hangingPunct="0">
-              <a:spcBef>
-                <a:spcPct val="0"/>
-              </a:spcBef>
-              <a:spcAft>
-                <a:spcPct val="0"/>
-              </a:spcAft>
-              <a:defRPr>
-                <a:solidFill>
-                  <a:schemeClr val="tx1"/>
-                </a:solidFill>
-                <a:latin typeface="Calibri" panose="020F0502020204030204" pitchFamily="34" charset="0"/>
-              </a:defRPr>
-            </a:lvl9pPr>
-          </a:lstStyle>
-          <a:p>
-            <a:pPr algn="ctr" eaLnBrk="1" hangingPunct="1"/>
-            <a:r>
-              <a:rPr lang="en-US" altLang="en-US" sz="1400" dirty="0">
-                <a:latin typeface="Arial" panose="020B0604020202020204" pitchFamily="34" charset="0"/>
-                <a:ea typeface="Amazon Ember" panose="020B0603020204020204" pitchFamily="34" charset="0"/>
-                <a:cs typeface="Arial" panose="020B0604020202020204" pitchFamily="34" charset="0"/>
-              </a:rPr>
-              <a:t>Amazon API Gateway</a:t>
-            </a:r>
-          </a:p>
-        </p:txBody>
-      </p:sp>
-      <p:cxnSp>
-        <p:nvCxnSpPr>
-          <p:cNvPr id="42" name="Straight Arrow Connector 41">
-            <a:extLst>
-              <a:ext uri="{FF2B5EF4-FFF2-40B4-BE49-F238E27FC236}">
-                <a16:creationId xmlns:a16="http://schemas.microsoft.com/office/drawing/2014/main" id="{574E0876-8418-4265-ACAA-C286516267D9}"/>
-              </a:ext>
-            </a:extLst>
-          </p:cNvPr>
-          <p:cNvCxnSpPr>
-            <a:cxnSpLocks/>
-            <a:endCxn id="32" idx="1"/>
-          </p:cNvCxnSpPr>
-          <p:nvPr/>
-        </p:nvCxnSpPr>
-        <p:spPr>
-          <a:xfrm flipV="1">
-            <a:off x="7022854" y="1867715"/>
-            <a:ext cx="1029795" cy="1600"/>
-          </a:xfrm>
-          <a:prstGeom prst="straightConnector1">
-            <a:avLst/>
-          </a:prstGeom>
-          <a:ln w="12700">
-            <a:solidFill>
-              <a:schemeClr val="tx2"/>
-            </a:solidFill>
-            <a:headEnd type="none" w="med" len="sm"/>
-            <a:tailEnd type="arrow" w="med" len="sm"/>
-          </a:ln>
-        </p:spPr>
-        <p:style>
-          <a:lnRef idx="1">
-            <a:schemeClr val="accent1"/>
-          </a:lnRef>
-          <a:fillRef idx="0">
-            <a:schemeClr val="accent1"/>
-          </a:fillRef>
-          <a:effectRef idx="0">
-            <a:schemeClr val="accent1"/>
-          </a:effectRef>
-          <a:fontRef idx="minor">
-            <a:schemeClr val="tx1"/>
-          </a:fontRef>
-        </p:style>
-      </p:cxnSp>
-      <p:pic>
-        <p:nvPicPr>
-          <p:cNvPr id="45" name="Graphic 24">
-            <a:extLst>
-              <a:ext uri="{FF2B5EF4-FFF2-40B4-BE49-F238E27FC236}">
-                <a16:creationId xmlns:a16="http://schemas.microsoft.com/office/drawing/2014/main" id="{0B5FF7EF-2351-4241-971C-B241AAC7356C}"/>
-              </a:ext>
-            </a:extLst>
-          </p:cNvPr>
-          <p:cNvPicPr>
-            <a:picLocks noChangeAspect="1" noChangeArrowheads="1"/>
-          </p:cNvPicPr>
-          <p:nvPr/>
-        </p:nvPicPr>
-        <p:blipFill>
-          <a:blip r:embed="rId8" cstate="hqprint">
-            <a:extLst>
-              <a:ext uri="{28A0092B-C50C-407E-A947-70E740481C1C}">
-                <a14:useLocalDpi xmlns:a14="http://schemas.microsoft.com/office/drawing/2010/main" val="0"/>
-              </a:ext>
-            </a:extLst>
-          </a:blip>
-          <a:srcRect/>
-          <a:stretch>
-            <a:fillRect/>
-          </a:stretch>
-        </p:blipFill>
-        <p:spPr bwMode="auto">
-          <a:xfrm>
-            <a:off x="8050393" y="2709969"/>
-            <a:ext cx="762000" cy="762000"/>
-          </a:xfrm>
-          <a:prstGeom prst="rect">
-            <a:avLst/>
-          </a:prstGeom>
-          <a:noFill/>
-          <a:ln>
-            <a:noFill/>
-          </a:ln>
-          <a:extLst>
-            <a:ext uri="{909E8E84-426E-40DD-AFC4-6F175D3DCCD1}">
-              <a14:hiddenFill xmlns:a14="http://schemas.microsoft.com/office/drawing/2010/main">
-                <a:solidFill>
-                  <a:srgbClr val="FFFFFF"/>
-                </a:solidFill>
-              </a14:hiddenFill>
-            </a:ext>
-            <a:ext uri="{91240B29-F687-4F45-9708-019B960494DF}">
-              <a14:hiddenLine xmlns:a14="http://schemas.microsoft.com/office/drawing/2010/main" w="9525">
-                <a:solidFill>
-                  <a:srgbClr val="000000"/>
-                </a:solidFill>
-                <a:miter lim="800000"/>
-                <a:headEnd/>
-                <a:tailEnd/>
-              </a14:hiddenLine>
-            </a:ext>
-          </a:extLst>
-        </p:spPr>
-      </p:pic>
-      <p:sp>
-        <p:nvSpPr>
-          <p:cNvPr id="46" name="TextBox 9">
-            <a:extLst>
-              <a:ext uri="{FF2B5EF4-FFF2-40B4-BE49-F238E27FC236}">
-                <a16:creationId xmlns:a16="http://schemas.microsoft.com/office/drawing/2014/main" id="{A3256D95-2D3D-4986-8D70-03EEBE1A3039}"/>
-              </a:ext>
-            </a:extLst>
-          </p:cNvPr>
-          <p:cNvSpPr txBox="1">
-            <a:spLocks noChangeArrowheads="1"/>
-          </p:cNvSpPr>
-          <p:nvPr/>
-        </p:nvSpPr>
-        <p:spPr bwMode="auto">
-          <a:xfrm>
-            <a:off x="7876588" y="3510340"/>
-            <a:ext cx="1196194" cy="307777"/>
-          </a:xfrm>
-          <a:prstGeom prst="rect">
-            <a:avLst/>
-          </a:prstGeom>
-          <a:noFill/>
-          <a:ln>
-            <a:noFill/>
-          </a:ln>
-          <a:extLst>
-            <a:ext uri="{909E8E84-426E-40DD-AFC4-6F175D3DCCD1}">
-              <a14:hiddenFill xmlns:a14="http://schemas.microsoft.com/office/drawing/2010/main">
-                <a:solidFill>
-                  <a:srgbClr val="FFFFFF"/>
-                </a:solidFill>
-              </a14:hiddenFill>
-            </a:ext>
-            <a:ext uri="{91240B29-F687-4F45-9708-019B960494DF}">
-              <a14:hiddenLine xmlns:a14="http://schemas.microsoft.com/office/drawing/2010/main" w="9525">
-                <a:solidFill>
-                  <a:srgbClr val="000000"/>
-                </a:solidFill>
-                <a:miter lim="800000"/>
-                <a:headEnd/>
-                <a:tailEnd/>
-              </a14:hiddenLine>
-            </a:ext>
-          </a:extLst>
-        </p:spPr>
-        <p:txBody>
-          <a:bodyPr wrap="square">
-            <a:spAutoFit/>
-          </a:bodyPr>
-          <a:lstStyle>
-            <a:lvl1pPr>
-              <a:defRPr>
-                <a:solidFill>
-                  <a:schemeClr val="tx1"/>
-                </a:solidFill>
-                <a:latin typeface="Calibri" panose="020F0502020204030204" pitchFamily="34" charset="0"/>
-              </a:defRPr>
-            </a:lvl1pPr>
-            <a:lvl2pPr marL="742950" indent="-285750">
-              <a:defRPr>
-                <a:solidFill>
-                  <a:schemeClr val="tx1"/>
-                </a:solidFill>
-                <a:latin typeface="Calibri" panose="020F0502020204030204" pitchFamily="34" charset="0"/>
-              </a:defRPr>
-            </a:lvl2pPr>
-            <a:lvl3pPr marL="1143000" indent="-228600">
-              <a:defRPr>
-                <a:solidFill>
-                  <a:schemeClr val="tx1"/>
-                </a:solidFill>
-                <a:latin typeface="Calibri" panose="020F0502020204030204" pitchFamily="34" charset="0"/>
-              </a:defRPr>
-            </a:lvl3pPr>
-            <a:lvl4pPr marL="1600200" indent="-228600">
-              <a:defRPr>
-                <a:solidFill>
-                  <a:schemeClr val="tx1"/>
-                </a:solidFill>
-                <a:latin typeface="Calibri" panose="020F0502020204030204" pitchFamily="34" charset="0"/>
-              </a:defRPr>
-            </a:lvl4pPr>
-            <a:lvl5pPr marL="2057400" indent="-228600">
-              <a:defRPr>
-                <a:solidFill>
-                  <a:schemeClr val="tx1"/>
-                </a:solidFill>
-                <a:latin typeface="Calibri" panose="020F0502020204030204" pitchFamily="34" charset="0"/>
-              </a:defRPr>
-            </a:lvl5pPr>
-            <a:lvl6pPr marL="2514600" indent="-228600" eaLnBrk="0" fontAlgn="base" hangingPunct="0">
-              <a:spcBef>
-                <a:spcPct val="0"/>
-              </a:spcBef>
-              <a:spcAft>
-                <a:spcPct val="0"/>
-              </a:spcAft>
-              <a:defRPr>
-                <a:solidFill>
-                  <a:schemeClr val="tx1"/>
-                </a:solidFill>
-                <a:latin typeface="Calibri" panose="020F0502020204030204" pitchFamily="34" charset="0"/>
-              </a:defRPr>
-            </a:lvl6pPr>
-            <a:lvl7pPr marL="2971800" indent="-228600" eaLnBrk="0" fontAlgn="base" hangingPunct="0">
-              <a:spcBef>
-                <a:spcPct val="0"/>
-              </a:spcBef>
-              <a:spcAft>
-                <a:spcPct val="0"/>
-              </a:spcAft>
-              <a:defRPr>
-                <a:solidFill>
-                  <a:schemeClr val="tx1"/>
-                </a:solidFill>
-                <a:latin typeface="Calibri" panose="020F0502020204030204" pitchFamily="34" charset="0"/>
-              </a:defRPr>
-            </a:lvl7pPr>
-            <a:lvl8pPr marL="3429000" indent="-228600" eaLnBrk="0" fontAlgn="base" hangingPunct="0">
-              <a:spcBef>
-                <a:spcPct val="0"/>
-              </a:spcBef>
-              <a:spcAft>
-                <a:spcPct val="0"/>
-              </a:spcAft>
-              <a:defRPr>
-                <a:solidFill>
-                  <a:schemeClr val="tx1"/>
-                </a:solidFill>
-                <a:latin typeface="Calibri" panose="020F0502020204030204" pitchFamily="34" charset="0"/>
-              </a:defRPr>
-            </a:lvl8pPr>
-            <a:lvl9pPr marL="3886200" indent="-228600" eaLnBrk="0" fontAlgn="base" hangingPunct="0">
-              <a:spcBef>
-                <a:spcPct val="0"/>
-              </a:spcBef>
-              <a:spcAft>
-                <a:spcPct val="0"/>
-              </a:spcAft>
-              <a:defRPr>
-                <a:solidFill>
-                  <a:schemeClr val="tx1"/>
-                </a:solidFill>
-                <a:latin typeface="Calibri" panose="020F0502020204030204" pitchFamily="34" charset="0"/>
-              </a:defRPr>
-            </a:lvl9pPr>
-          </a:lstStyle>
-          <a:p>
-            <a:pPr algn="ctr" eaLnBrk="1" hangingPunct="1"/>
-            <a:r>
-              <a:rPr lang="en-US" altLang="en-US" sz="1400" dirty="0">
-                <a:latin typeface="Arial" panose="020B0604020202020204" pitchFamily="34" charset="0"/>
-                <a:ea typeface="Amazon Ember" panose="020B0603020204020204" pitchFamily="34" charset="0"/>
-                <a:cs typeface="Arial" panose="020B0604020202020204" pitchFamily="34" charset="0"/>
-              </a:rPr>
-              <a:t>SNS Topic</a:t>
-            </a:r>
-          </a:p>
-        </p:txBody>
-      </p:sp>
-      <p:cxnSp>
-        <p:nvCxnSpPr>
-          <p:cNvPr id="47" name="Straight Arrow Connector 46">
-            <a:extLst>
-              <a:ext uri="{FF2B5EF4-FFF2-40B4-BE49-F238E27FC236}">
-                <a16:creationId xmlns:a16="http://schemas.microsoft.com/office/drawing/2014/main" id="{D60F8A66-B380-45E6-A770-CA28A829904D}"/>
-              </a:ext>
-            </a:extLst>
-          </p:cNvPr>
-          <p:cNvCxnSpPr>
-            <a:cxnSpLocks/>
-            <a:endCxn id="45" idx="1"/>
-          </p:cNvCxnSpPr>
-          <p:nvPr/>
-        </p:nvCxnSpPr>
-        <p:spPr>
-          <a:xfrm>
-            <a:off x="7047523" y="3090336"/>
-            <a:ext cx="1002870" cy="633"/>
-          </a:xfrm>
-          <a:prstGeom prst="straightConnector1">
-            <a:avLst/>
-          </a:prstGeom>
-          <a:ln w="12700">
-            <a:solidFill>
-              <a:schemeClr val="tx2"/>
-            </a:solidFill>
-            <a:headEnd type="none" w="med" len="sm"/>
-            <a:tailEnd type="arrow" w="med" len="sm"/>
-          </a:ln>
-        </p:spPr>
-        <p:style>
-          <a:lnRef idx="1">
-            <a:schemeClr val="accent1"/>
-          </a:lnRef>
-          <a:fillRef idx="0">
-            <a:schemeClr val="accent1"/>
-          </a:fillRef>
-          <a:effectRef idx="0">
-            <a:schemeClr val="accent1"/>
-          </a:effectRef>
-          <a:fontRef idx="minor">
-            <a:schemeClr val="tx1"/>
-          </a:fontRef>
-        </p:style>
-      </p:cxnSp>
-      <p:pic>
-        <p:nvPicPr>
-          <p:cNvPr id="49" name="Graphic 22">
-            <a:extLst>
-              <a:ext uri="{FF2B5EF4-FFF2-40B4-BE49-F238E27FC236}">
-                <a16:creationId xmlns:a16="http://schemas.microsoft.com/office/drawing/2014/main" id="{B58234E5-971D-461D-BA7B-B692B3D827D5}"/>
-              </a:ext>
-            </a:extLst>
-          </p:cNvPr>
-          <p:cNvPicPr>
-            <a:picLocks noChangeAspect="1" noChangeArrowheads="1"/>
-          </p:cNvPicPr>
-          <p:nvPr/>
-        </p:nvPicPr>
-        <p:blipFill>
-          <a:blip r:embed="rId9" cstate="hqprint">
-            <a:extLst>
-              <a:ext uri="{28A0092B-C50C-407E-A947-70E740481C1C}">
-                <a14:useLocalDpi xmlns:a14="http://schemas.microsoft.com/office/drawing/2010/main" val="0"/>
-              </a:ext>
-            </a:extLst>
-          </a:blip>
-          <a:srcRect/>
-          <a:stretch>
-            <a:fillRect/>
-          </a:stretch>
-        </p:blipFill>
-        <p:spPr bwMode="auto">
-          <a:xfrm>
-            <a:off x="6247231" y="5867416"/>
-            <a:ext cx="469900" cy="469900"/>
-          </a:xfrm>
-          <a:prstGeom prst="rect">
-            <a:avLst/>
-          </a:prstGeom>
-          <a:noFill/>
-          <a:ln>
-            <a:noFill/>
-          </a:ln>
-          <a:extLst>
-            <a:ext uri="{909E8E84-426E-40DD-AFC4-6F175D3DCCD1}">
-              <a14:hiddenFill xmlns:a14="http://schemas.microsoft.com/office/drawing/2010/main">
-                <a:solidFill>
-                  <a:srgbClr val="FFFFFF"/>
-                </a:solidFill>
-              </a14:hiddenFill>
-            </a:ext>
-            <a:ext uri="{91240B29-F687-4F45-9708-019B960494DF}">
-              <a14:hiddenLine xmlns:a14="http://schemas.microsoft.com/office/drawing/2010/main" w="9525">
-                <a:solidFill>
-                  <a:srgbClr val="000000"/>
-                </a:solidFill>
-                <a:miter lim="800000"/>
-                <a:headEnd/>
-                <a:tailEnd/>
-              </a14:hiddenLine>
-            </a:ext>
-          </a:extLst>
-        </p:spPr>
-      </p:pic>
-      <p:pic>
-        <p:nvPicPr>
-          <p:cNvPr id="1030" name="Picture 6">
-            <a:extLst>
-              <a:ext uri="{FF2B5EF4-FFF2-40B4-BE49-F238E27FC236}">
-                <a16:creationId xmlns:a16="http://schemas.microsoft.com/office/drawing/2014/main" id="{E5A1C4B6-0D9C-417C-90E5-EBA07BFFD4E4}"/>
-              </a:ext>
-            </a:extLst>
-          </p:cNvPr>
-          <p:cNvPicPr>
-            <a:picLocks noChangeAspect="1" noChangeArrowheads="1"/>
-          </p:cNvPicPr>
-          <p:nvPr/>
-        </p:nvPicPr>
-        <p:blipFill>
-          <a:blip r:embed="rId10">
-            <a:extLst>
-              <a:ext uri="{28A0092B-C50C-407E-A947-70E740481C1C}">
-                <a14:useLocalDpi xmlns:a14="http://schemas.microsoft.com/office/drawing/2010/main" val="0"/>
-              </a:ext>
-            </a:extLst>
-          </a:blip>
-          <a:srcRect/>
-          <a:stretch>
-            <a:fillRect/>
-          </a:stretch>
-        </p:blipFill>
-        <p:spPr bwMode="auto">
-          <a:xfrm>
-            <a:off x="2248049" y="2630990"/>
-            <a:ext cx="1162050" cy="1314450"/>
-          </a:xfrm>
-          <a:prstGeom prst="rect">
-            <a:avLst/>
-          </a:prstGeom>
-          <a:noFill/>
-          <a:extLst>
-            <a:ext uri="{909E8E84-426E-40DD-AFC4-6F175D3DCCD1}">
-              <a14:hiddenFill xmlns:a14="http://schemas.microsoft.com/office/drawing/2010/main">
-                <a:solidFill>
-                  <a:srgbClr val="FFFFFF"/>
-                </a:solidFill>
-              </a14:hiddenFill>
-            </a:ext>
-          </a:extLst>
-        </p:spPr>
-      </p:pic>
-      <p:sp>
-        <p:nvSpPr>
-          <p:cNvPr id="53" name="Freeform 36">
-            <a:extLst>
-              <a:ext uri="{FF2B5EF4-FFF2-40B4-BE49-F238E27FC236}">
-                <a16:creationId xmlns:a16="http://schemas.microsoft.com/office/drawing/2014/main" id="{21262E7F-6DE4-4BD3-A27A-59B4715C07E1}"/>
-              </a:ext>
-            </a:extLst>
-          </p:cNvPr>
-          <p:cNvSpPr/>
-          <p:nvPr/>
-        </p:nvSpPr>
-        <p:spPr>
-          <a:xfrm rot="10800000" flipH="1">
-            <a:off x="2849040" y="5132466"/>
-            <a:ext cx="5651777" cy="584948"/>
-          </a:xfrm>
-          <a:custGeom>
-            <a:avLst/>
-            <a:gdLst>
-              <a:gd name="connsiteX0" fmla="*/ 1371600 w 1371600"/>
-              <a:gd name="connsiteY0" fmla="*/ 711200 h 711200"/>
-              <a:gd name="connsiteX1" fmla="*/ 1371600 w 1371600"/>
-              <a:gd name="connsiteY1" fmla="*/ 0 h 711200"/>
-              <a:gd name="connsiteX2" fmla="*/ 0 w 1371600"/>
-              <a:gd name="connsiteY2" fmla="*/ 0 h 711200"/>
-            </a:gdLst>
-            <a:ahLst/>
-            <a:cxnLst>
-              <a:cxn ang="0">
-                <a:pos x="connsiteX0" y="connsiteY0"/>
-              </a:cxn>
-              <a:cxn ang="0">
-                <a:pos x="connsiteX1" y="connsiteY1"/>
-              </a:cxn>
-              <a:cxn ang="0">
-                <a:pos x="connsiteX2" y="connsiteY2"/>
-              </a:cxn>
-            </a:cxnLst>
-            <a:rect l="l" t="t" r="r" b="b"/>
-            <a:pathLst>
-              <a:path w="1371600" h="711200">
-                <a:moveTo>
-                  <a:pt x="1371600" y="711200"/>
-                </a:moveTo>
-                <a:lnTo>
-                  <a:pt x="1371600" y="0"/>
-                </a:lnTo>
-                <a:lnTo>
-                  <a:pt x="0" y="0"/>
-                </a:lnTo>
-              </a:path>
-            </a:pathLst>
-          </a:custGeom>
-          <a:noFill/>
-          <a:ln w="12700">
-            <a:solidFill>
-              <a:schemeClr val="tx2"/>
-            </a:solidFill>
-            <a:headEnd type="none" w="med" len="sm"/>
-            <a:tailEnd type="none" w="med" len="sm"/>
-          </a:ln>
-        </p:spPr>
-        <p:style>
-          <a:lnRef idx="2">
-            <a:schemeClr val="accent1">
-              <a:shade val="50000"/>
-            </a:schemeClr>
-          </a:lnRef>
-          <a:fillRef idx="1">
-            <a:schemeClr val="accent1"/>
-          </a:fillRef>
-          <a:effectRef idx="0">
-            <a:schemeClr val="accent1"/>
-          </a:effectRef>
-          <a:fontRef idx="minor">
-            <a:schemeClr val="lt1"/>
-          </a:fontRef>
-        </p:style>
-        <p:txBody>
-          <a:bodyPr anchor="ctr"/>
-          <a:lstStyle/>
-          <a:p>
-            <a:pPr algn="ctr" eaLnBrk="1" fontAlgn="auto" hangingPunct="1">
-              <a:spcBef>
-                <a:spcPts val="0"/>
-              </a:spcBef>
-              <a:spcAft>
-                <a:spcPts val="0"/>
-              </a:spcAft>
-              <a:defRPr/>
-            </a:pPr>
-            <a:endParaRPr lang="en-US" dirty="0"/>
-          </a:p>
-        </p:txBody>
-      </p:sp>
-      <p:cxnSp>
-        <p:nvCxnSpPr>
-          <p:cNvPr id="55" name="Straight Arrow Connector 54">
-            <a:extLst>
-              <a:ext uri="{FF2B5EF4-FFF2-40B4-BE49-F238E27FC236}">
-                <a16:creationId xmlns:a16="http://schemas.microsoft.com/office/drawing/2014/main" id="{28EE5AE0-E1AA-46AD-A80E-1670AD4E40A0}"/>
-              </a:ext>
-            </a:extLst>
-          </p:cNvPr>
-          <p:cNvCxnSpPr>
-            <a:cxnSpLocks/>
-            <a:stCxn id="53" idx="2"/>
-          </p:cNvCxnSpPr>
-          <p:nvPr/>
-        </p:nvCxnSpPr>
-        <p:spPr>
-          <a:xfrm flipV="1">
-            <a:off x="2849040" y="3793040"/>
-            <a:ext cx="3186" cy="1924374"/>
-          </a:xfrm>
-          <a:prstGeom prst="straightConnector1">
-            <a:avLst/>
-          </a:prstGeom>
-          <a:ln w="12700">
-            <a:solidFill>
-              <a:schemeClr val="tx2"/>
-            </a:solidFill>
-            <a:headEnd type="none" w="med" len="sm"/>
-            <a:tailEnd type="arrow" w="med" len="sm"/>
-          </a:ln>
-        </p:spPr>
-        <p:style>
-          <a:lnRef idx="1">
-            <a:schemeClr val="accent1"/>
-          </a:lnRef>
-          <a:fillRef idx="0">
-            <a:schemeClr val="accent1"/>
-          </a:fillRef>
-          <a:effectRef idx="0">
-            <a:schemeClr val="accent1"/>
-          </a:effectRef>
-          <a:fontRef idx="minor">
-            <a:schemeClr val="tx1"/>
-          </a:fontRef>
-        </p:style>
-      </p:cxnSp>
-      <p:sp>
-        <p:nvSpPr>
-          <p:cNvPr id="57" name="Freeform 34">
-            <a:extLst>
-              <a:ext uri="{FF2B5EF4-FFF2-40B4-BE49-F238E27FC236}">
-                <a16:creationId xmlns:a16="http://schemas.microsoft.com/office/drawing/2014/main" id="{23E50309-BB50-433C-8E66-43858CF9A828}"/>
-              </a:ext>
-            </a:extLst>
-          </p:cNvPr>
-          <p:cNvSpPr/>
-          <p:nvPr/>
-        </p:nvSpPr>
-        <p:spPr>
-          <a:xfrm rot="5400000" flipH="1">
-            <a:off x="7689930" y="4256091"/>
-            <a:ext cx="3042710" cy="711200"/>
-          </a:xfrm>
-          <a:custGeom>
-            <a:avLst/>
-            <a:gdLst>
-              <a:gd name="connsiteX0" fmla="*/ 1371600 w 1371600"/>
-              <a:gd name="connsiteY0" fmla="*/ 711200 h 711200"/>
-              <a:gd name="connsiteX1" fmla="*/ 1371600 w 1371600"/>
-              <a:gd name="connsiteY1" fmla="*/ 0 h 711200"/>
-              <a:gd name="connsiteX2" fmla="*/ 0 w 1371600"/>
-              <a:gd name="connsiteY2" fmla="*/ 0 h 711200"/>
-            </a:gdLst>
-            <a:ahLst/>
-            <a:cxnLst>
-              <a:cxn ang="0">
-                <a:pos x="connsiteX0" y="connsiteY0"/>
-              </a:cxn>
-              <a:cxn ang="0">
-                <a:pos x="connsiteX1" y="connsiteY1"/>
-              </a:cxn>
-              <a:cxn ang="0">
-                <a:pos x="connsiteX2" y="connsiteY2"/>
-              </a:cxn>
-            </a:cxnLst>
-            <a:rect l="l" t="t" r="r" b="b"/>
-            <a:pathLst>
-              <a:path w="1371600" h="711200">
-                <a:moveTo>
-                  <a:pt x="1371600" y="711200"/>
-                </a:moveTo>
-                <a:lnTo>
-                  <a:pt x="1371600" y="0"/>
-                </a:lnTo>
-                <a:lnTo>
-                  <a:pt x="0" y="0"/>
-                </a:lnTo>
-              </a:path>
-            </a:pathLst>
-          </a:custGeom>
-          <a:noFill/>
-          <a:ln w="12700">
-            <a:solidFill>
-              <a:schemeClr val="tx2"/>
-            </a:solidFill>
-            <a:headEnd type="none" w="med" len="sm"/>
-            <a:tailEnd type="none" w="med" len="sm"/>
-          </a:ln>
-        </p:spPr>
-        <p:style>
-          <a:lnRef idx="2">
-            <a:schemeClr val="accent1">
-              <a:shade val="50000"/>
-            </a:schemeClr>
-          </a:lnRef>
-          <a:fillRef idx="1">
-            <a:schemeClr val="accent1"/>
-          </a:fillRef>
-          <a:effectRef idx="0">
-            <a:schemeClr val="accent1"/>
-          </a:effectRef>
-          <a:fontRef idx="minor">
-            <a:schemeClr val="lt1"/>
-          </a:fontRef>
-        </p:style>
-        <p:txBody>
-          <a:bodyPr anchor="ctr"/>
-          <a:lstStyle/>
-          <a:p>
-            <a:pPr algn="ctr" eaLnBrk="1" fontAlgn="auto" hangingPunct="1">
-              <a:spcBef>
-                <a:spcPts val="0"/>
-              </a:spcBef>
-              <a:spcAft>
-                <a:spcPts val="0"/>
-              </a:spcAft>
-              <a:defRPr/>
-            </a:pPr>
-            <a:endParaRPr lang="en-US" dirty="0"/>
-          </a:p>
-        </p:txBody>
-      </p:sp>
-      <p:cxnSp>
-        <p:nvCxnSpPr>
-          <p:cNvPr id="58" name="Straight Arrow Connector 57">
-            <a:extLst>
-              <a:ext uri="{FF2B5EF4-FFF2-40B4-BE49-F238E27FC236}">
-                <a16:creationId xmlns:a16="http://schemas.microsoft.com/office/drawing/2014/main" id="{356A5AD2-89CF-4452-8A4E-F4FAAABE9046}"/>
-              </a:ext>
-            </a:extLst>
-          </p:cNvPr>
-          <p:cNvCxnSpPr>
-            <a:cxnSpLocks/>
-          </p:cNvCxnSpPr>
-          <p:nvPr/>
-        </p:nvCxnSpPr>
-        <p:spPr>
-          <a:xfrm flipH="1">
-            <a:off x="6785035" y="6133052"/>
-            <a:ext cx="2765545" cy="0"/>
-          </a:xfrm>
-          <a:prstGeom prst="straightConnector1">
-            <a:avLst/>
-          </a:prstGeom>
-          <a:ln w="12700">
-            <a:solidFill>
-              <a:schemeClr val="tx2"/>
-            </a:solidFill>
-            <a:headEnd type="none" w="med" len="sm"/>
-            <a:tailEnd type="arrow" w="med" len="sm"/>
-          </a:ln>
-        </p:spPr>
-        <p:style>
-          <a:lnRef idx="1">
-            <a:schemeClr val="accent1"/>
-          </a:lnRef>
-          <a:fillRef idx="0">
-            <a:schemeClr val="accent1"/>
-          </a:fillRef>
-          <a:effectRef idx="0">
-            <a:schemeClr val="accent1"/>
-          </a:effectRef>
-          <a:fontRef idx="minor">
-            <a:schemeClr val="tx1"/>
-          </a:fontRef>
-        </p:style>
-      </p:cxnSp>
-      <p:sp>
-        <p:nvSpPr>
-          <p:cNvPr id="61" name="Freeform 34">
-            <a:extLst>
-              <a:ext uri="{FF2B5EF4-FFF2-40B4-BE49-F238E27FC236}">
-                <a16:creationId xmlns:a16="http://schemas.microsoft.com/office/drawing/2014/main" id="{2EC0FBA2-D803-4A0C-8434-7AA8EFFDE761}"/>
-              </a:ext>
-            </a:extLst>
-          </p:cNvPr>
-          <p:cNvSpPr/>
-          <p:nvPr/>
-        </p:nvSpPr>
-        <p:spPr>
-          <a:xfrm rot="16200000" flipH="1">
-            <a:off x="2478172" y="2541675"/>
-            <a:ext cx="3010456" cy="4172289"/>
-          </a:xfrm>
-          <a:custGeom>
-            <a:avLst/>
-            <a:gdLst>
-              <a:gd name="connsiteX0" fmla="*/ 1371600 w 1371600"/>
-              <a:gd name="connsiteY0" fmla="*/ 711200 h 711200"/>
-              <a:gd name="connsiteX1" fmla="*/ 1371600 w 1371600"/>
-              <a:gd name="connsiteY1" fmla="*/ 0 h 711200"/>
-              <a:gd name="connsiteX2" fmla="*/ 0 w 1371600"/>
-              <a:gd name="connsiteY2" fmla="*/ 0 h 711200"/>
-            </a:gdLst>
-            <a:ahLst/>
-            <a:cxnLst>
-              <a:cxn ang="0">
-                <a:pos x="connsiteX0" y="connsiteY0"/>
-              </a:cxn>
-              <a:cxn ang="0">
-                <a:pos x="connsiteX1" y="connsiteY1"/>
-              </a:cxn>
-              <a:cxn ang="0">
-                <a:pos x="connsiteX2" y="connsiteY2"/>
-              </a:cxn>
-            </a:cxnLst>
-            <a:rect l="l" t="t" r="r" b="b"/>
-            <a:pathLst>
-              <a:path w="1371600" h="711200">
-                <a:moveTo>
-                  <a:pt x="1371600" y="711200"/>
-                </a:moveTo>
-                <a:lnTo>
-                  <a:pt x="1371600" y="0"/>
-                </a:lnTo>
-                <a:lnTo>
-                  <a:pt x="0" y="0"/>
-                </a:lnTo>
-              </a:path>
-            </a:pathLst>
-          </a:custGeom>
-          <a:noFill/>
-          <a:ln w="12700">
-            <a:solidFill>
-              <a:schemeClr val="tx2"/>
-            </a:solidFill>
-            <a:headEnd type="none" w="med" len="sm"/>
-            <a:tailEnd type="none" w="med" len="sm"/>
-          </a:ln>
-        </p:spPr>
-        <p:style>
-          <a:lnRef idx="2">
-            <a:schemeClr val="accent1">
-              <a:shade val="50000"/>
-            </a:schemeClr>
-          </a:lnRef>
-          <a:fillRef idx="1">
-            <a:schemeClr val="accent1"/>
-          </a:fillRef>
-          <a:effectRef idx="0">
-            <a:schemeClr val="accent1"/>
-          </a:effectRef>
-          <a:fontRef idx="minor">
-            <a:schemeClr val="lt1"/>
-          </a:fontRef>
-        </p:style>
-        <p:txBody>
-          <a:bodyPr anchor="ctr"/>
-          <a:lstStyle/>
-          <a:p>
-            <a:pPr algn="ctr" eaLnBrk="1" fontAlgn="auto" hangingPunct="1">
-              <a:spcBef>
-                <a:spcPts val="0"/>
-              </a:spcBef>
-              <a:spcAft>
-                <a:spcPts val="0"/>
-              </a:spcAft>
-              <a:defRPr/>
-            </a:pPr>
-            <a:endParaRPr lang="en-US" dirty="0"/>
-          </a:p>
-        </p:txBody>
-      </p:sp>
-      <p:cxnSp>
-        <p:nvCxnSpPr>
-          <p:cNvPr id="62" name="Straight Arrow Connector 61">
-            <a:extLst>
-              <a:ext uri="{FF2B5EF4-FFF2-40B4-BE49-F238E27FC236}">
-                <a16:creationId xmlns:a16="http://schemas.microsoft.com/office/drawing/2014/main" id="{1AF9C5E6-31FF-41B5-9849-CD876182BC7B}"/>
-              </a:ext>
-            </a:extLst>
-          </p:cNvPr>
-          <p:cNvCxnSpPr>
-            <a:cxnSpLocks/>
-          </p:cNvCxnSpPr>
-          <p:nvPr/>
-        </p:nvCxnSpPr>
-        <p:spPr>
-          <a:xfrm flipH="1">
-            <a:off x="1897254" y="3122591"/>
-            <a:ext cx="544037" cy="0"/>
-          </a:xfrm>
-          <a:prstGeom prst="straightConnector1">
-            <a:avLst/>
-          </a:prstGeom>
-          <a:ln w="12700">
-            <a:solidFill>
-              <a:schemeClr val="tx2"/>
-            </a:solidFill>
-            <a:headEnd type="arrow" w="med" len="sm"/>
-            <a:tailEnd type="none" w="med" len="sm"/>
-          </a:ln>
-        </p:spPr>
-        <p:style>
-          <a:lnRef idx="1">
-            <a:schemeClr val="accent1"/>
-          </a:lnRef>
-          <a:fillRef idx="0">
-            <a:schemeClr val="accent1"/>
-          </a:fillRef>
-          <a:effectRef idx="0">
-            <a:schemeClr val="accent1"/>
-          </a:effectRef>
-          <a:fontRef idx="minor">
-            <a:schemeClr val="tx1"/>
-          </a:fontRef>
-        </p:style>
-      </p:cxnSp>
-      <p:sp>
-        <p:nvSpPr>
-          <p:cNvPr id="65" name="TextBox 27">
-            <a:extLst>
-              <a:ext uri="{FF2B5EF4-FFF2-40B4-BE49-F238E27FC236}">
-                <a16:creationId xmlns:a16="http://schemas.microsoft.com/office/drawing/2014/main" id="{7B4E5791-9B70-46B5-9B9F-C74FB227BAFC}"/>
-              </a:ext>
-            </a:extLst>
-          </p:cNvPr>
-          <p:cNvSpPr txBox="1">
-            <a:spLocks noChangeArrowheads="1"/>
-          </p:cNvSpPr>
-          <p:nvPr/>
-        </p:nvSpPr>
-        <p:spPr bwMode="auto">
-          <a:xfrm>
-            <a:off x="1922928" y="5809909"/>
-            <a:ext cx="2013943" cy="276999"/>
-          </a:xfrm>
-          <a:prstGeom prst="rect">
-            <a:avLst/>
-          </a:prstGeom>
-          <a:noFill/>
-          <a:ln>
-            <a:noFill/>
-          </a:ln>
-          <a:extLst>
-            <a:ext uri="{909E8E84-426E-40DD-AFC4-6F175D3DCCD1}">
-              <a14:hiddenFill xmlns:a14="http://schemas.microsoft.com/office/drawing/2010/main">
-                <a:solidFill>
-                  <a:srgbClr val="FFFFFF"/>
-                </a:solidFill>
-              </a14:hiddenFill>
-            </a:ext>
-            <a:ext uri="{91240B29-F687-4F45-9708-019B960494DF}">
-              <a14:hiddenLine xmlns:a14="http://schemas.microsoft.com/office/drawing/2010/main" w="9525">
-                <a:solidFill>
-                  <a:srgbClr val="000000"/>
-                </a:solidFill>
-                <a:miter lim="800000"/>
-                <a:headEnd/>
-                <a:tailEnd/>
-              </a14:hiddenLine>
-            </a:ext>
-          </a:extLst>
-        </p:spPr>
-        <p:txBody>
-          <a:bodyPr wrap="square">
-            <a:spAutoFit/>
-          </a:bodyPr>
-          <a:lstStyle>
-            <a:lvl1pPr>
-              <a:defRPr>
-                <a:solidFill>
-                  <a:schemeClr val="tx1"/>
-                </a:solidFill>
-                <a:latin typeface="Calibri" panose="020F0502020204030204" pitchFamily="34" charset="0"/>
-              </a:defRPr>
-            </a:lvl1pPr>
-            <a:lvl2pPr marL="742950" indent="-285750">
-              <a:defRPr>
-                <a:solidFill>
-                  <a:schemeClr val="tx1"/>
-                </a:solidFill>
-                <a:latin typeface="Calibri" panose="020F0502020204030204" pitchFamily="34" charset="0"/>
-              </a:defRPr>
-            </a:lvl2pPr>
-            <a:lvl3pPr marL="1143000" indent="-228600">
-              <a:defRPr>
-                <a:solidFill>
-                  <a:schemeClr val="tx1"/>
-                </a:solidFill>
-                <a:latin typeface="Calibri" panose="020F0502020204030204" pitchFamily="34" charset="0"/>
-              </a:defRPr>
-            </a:lvl3pPr>
-            <a:lvl4pPr marL="1600200" indent="-228600">
-              <a:defRPr>
-                <a:solidFill>
-                  <a:schemeClr val="tx1"/>
-                </a:solidFill>
-                <a:latin typeface="Calibri" panose="020F0502020204030204" pitchFamily="34" charset="0"/>
-              </a:defRPr>
-            </a:lvl4pPr>
-            <a:lvl5pPr marL="2057400" indent="-228600">
-              <a:defRPr>
-                <a:solidFill>
-                  <a:schemeClr val="tx1"/>
-                </a:solidFill>
-                <a:latin typeface="Calibri" panose="020F0502020204030204" pitchFamily="34" charset="0"/>
-              </a:defRPr>
-            </a:lvl5pPr>
-            <a:lvl6pPr marL="2514600" indent="-228600" eaLnBrk="0" fontAlgn="base" hangingPunct="0">
-              <a:spcBef>
-                <a:spcPct val="0"/>
-              </a:spcBef>
-              <a:spcAft>
-                <a:spcPct val="0"/>
-              </a:spcAft>
-              <a:defRPr>
-                <a:solidFill>
-                  <a:schemeClr val="tx1"/>
-                </a:solidFill>
-                <a:latin typeface="Calibri" panose="020F0502020204030204" pitchFamily="34" charset="0"/>
-              </a:defRPr>
-            </a:lvl6pPr>
-            <a:lvl7pPr marL="2971800" indent="-228600" eaLnBrk="0" fontAlgn="base" hangingPunct="0">
-              <a:spcBef>
-                <a:spcPct val="0"/>
-              </a:spcBef>
-              <a:spcAft>
-                <a:spcPct val="0"/>
-              </a:spcAft>
-              <a:defRPr>
-                <a:solidFill>
-                  <a:schemeClr val="tx1"/>
-                </a:solidFill>
-                <a:latin typeface="Calibri" panose="020F0502020204030204" pitchFamily="34" charset="0"/>
-              </a:defRPr>
-            </a:lvl7pPr>
-            <a:lvl8pPr marL="3429000" indent="-228600" eaLnBrk="0" fontAlgn="base" hangingPunct="0">
-              <a:spcBef>
-                <a:spcPct val="0"/>
-              </a:spcBef>
-              <a:spcAft>
-                <a:spcPct val="0"/>
-              </a:spcAft>
-              <a:defRPr>
-                <a:solidFill>
-                  <a:schemeClr val="tx1"/>
-                </a:solidFill>
-                <a:latin typeface="Calibri" panose="020F0502020204030204" pitchFamily="34" charset="0"/>
-              </a:defRPr>
-            </a:lvl8pPr>
-            <a:lvl9pPr marL="3886200" indent="-228600" eaLnBrk="0" fontAlgn="base" hangingPunct="0">
-              <a:spcBef>
-                <a:spcPct val="0"/>
-              </a:spcBef>
-              <a:spcAft>
-                <a:spcPct val="0"/>
-              </a:spcAft>
-              <a:defRPr>
-                <a:solidFill>
-                  <a:schemeClr val="tx1"/>
-                </a:solidFill>
-                <a:latin typeface="Calibri" panose="020F0502020204030204" pitchFamily="34" charset="0"/>
-              </a:defRPr>
-            </a:lvl9pPr>
-          </a:lstStyle>
-          <a:p>
-            <a:pPr algn="ctr" eaLnBrk="1" hangingPunct="1"/>
-            <a:r>
-              <a:rPr lang="en-US" altLang="en-US" sz="1200" i="1" dirty="0">
-                <a:latin typeface="Arial" panose="020B0604020202020204" pitchFamily="34" charset="0"/>
-                <a:cs typeface="Arial" panose="020B0604020202020204" pitchFamily="34" charset="0"/>
-              </a:rPr>
-              <a:t>API Gateway Endpoint</a:t>
-            </a:r>
-          </a:p>
-        </p:txBody>
-      </p:sp>
-      <p:sp>
-        <p:nvSpPr>
-          <p:cNvPr id="66" name="TextBox 27">
-            <a:extLst>
-              <a:ext uri="{FF2B5EF4-FFF2-40B4-BE49-F238E27FC236}">
-                <a16:creationId xmlns:a16="http://schemas.microsoft.com/office/drawing/2014/main" id="{D4D08766-FB86-419D-9F9F-77A92978BB3A}"/>
-              </a:ext>
-            </a:extLst>
-          </p:cNvPr>
-          <p:cNvSpPr txBox="1">
-            <a:spLocks noChangeArrowheads="1"/>
-          </p:cNvSpPr>
-          <p:nvPr/>
-        </p:nvSpPr>
-        <p:spPr bwMode="auto">
-          <a:xfrm>
-            <a:off x="2910293" y="5391886"/>
-            <a:ext cx="2013943" cy="276999"/>
-          </a:xfrm>
-          <a:prstGeom prst="rect">
-            <a:avLst/>
-          </a:prstGeom>
-          <a:noFill/>
-          <a:ln>
-            <a:noFill/>
-          </a:ln>
-          <a:extLst>
-            <a:ext uri="{909E8E84-426E-40DD-AFC4-6F175D3DCCD1}">
-              <a14:hiddenFill xmlns:a14="http://schemas.microsoft.com/office/drawing/2010/main">
-                <a:solidFill>
-                  <a:srgbClr val="FFFFFF"/>
-                </a:solidFill>
-              </a14:hiddenFill>
-            </a:ext>
-            <a:ext uri="{91240B29-F687-4F45-9708-019B960494DF}">
-              <a14:hiddenLine xmlns:a14="http://schemas.microsoft.com/office/drawing/2010/main" w="9525">
-                <a:solidFill>
-                  <a:srgbClr val="000000"/>
-                </a:solidFill>
-                <a:miter lim="800000"/>
-                <a:headEnd/>
-                <a:tailEnd/>
-              </a14:hiddenLine>
-            </a:ext>
-          </a:extLst>
-        </p:spPr>
-        <p:txBody>
-          <a:bodyPr wrap="square">
-            <a:spAutoFit/>
-          </a:bodyPr>
-          <a:lstStyle>
-            <a:lvl1pPr>
-              <a:defRPr>
-                <a:solidFill>
-                  <a:schemeClr val="tx1"/>
-                </a:solidFill>
-                <a:latin typeface="Calibri" panose="020F0502020204030204" pitchFamily="34" charset="0"/>
-              </a:defRPr>
-            </a:lvl1pPr>
-            <a:lvl2pPr marL="742950" indent="-285750">
-              <a:defRPr>
-                <a:solidFill>
-                  <a:schemeClr val="tx1"/>
-                </a:solidFill>
-                <a:latin typeface="Calibri" panose="020F0502020204030204" pitchFamily="34" charset="0"/>
-              </a:defRPr>
-            </a:lvl2pPr>
-            <a:lvl3pPr marL="1143000" indent="-228600">
-              <a:defRPr>
-                <a:solidFill>
-                  <a:schemeClr val="tx1"/>
-                </a:solidFill>
-                <a:latin typeface="Calibri" panose="020F0502020204030204" pitchFamily="34" charset="0"/>
-              </a:defRPr>
-            </a:lvl3pPr>
-            <a:lvl4pPr marL="1600200" indent="-228600">
-              <a:defRPr>
-                <a:solidFill>
-                  <a:schemeClr val="tx1"/>
-                </a:solidFill>
-                <a:latin typeface="Calibri" panose="020F0502020204030204" pitchFamily="34" charset="0"/>
-              </a:defRPr>
-            </a:lvl4pPr>
-            <a:lvl5pPr marL="2057400" indent="-228600">
-              <a:defRPr>
-                <a:solidFill>
-                  <a:schemeClr val="tx1"/>
-                </a:solidFill>
-                <a:latin typeface="Calibri" panose="020F0502020204030204" pitchFamily="34" charset="0"/>
-              </a:defRPr>
-            </a:lvl5pPr>
-            <a:lvl6pPr marL="2514600" indent="-228600" eaLnBrk="0" fontAlgn="base" hangingPunct="0">
-              <a:spcBef>
-                <a:spcPct val="0"/>
-              </a:spcBef>
-              <a:spcAft>
-                <a:spcPct val="0"/>
-              </a:spcAft>
-              <a:defRPr>
-                <a:solidFill>
-                  <a:schemeClr val="tx1"/>
-                </a:solidFill>
-                <a:latin typeface="Calibri" panose="020F0502020204030204" pitchFamily="34" charset="0"/>
-              </a:defRPr>
-            </a:lvl6pPr>
-            <a:lvl7pPr marL="2971800" indent="-228600" eaLnBrk="0" fontAlgn="base" hangingPunct="0">
-              <a:spcBef>
-                <a:spcPct val="0"/>
-              </a:spcBef>
-              <a:spcAft>
-                <a:spcPct val="0"/>
-              </a:spcAft>
-              <a:defRPr>
-                <a:solidFill>
-                  <a:schemeClr val="tx1"/>
-                </a:solidFill>
-                <a:latin typeface="Calibri" panose="020F0502020204030204" pitchFamily="34" charset="0"/>
-              </a:defRPr>
-            </a:lvl7pPr>
-            <a:lvl8pPr marL="3429000" indent="-228600" eaLnBrk="0" fontAlgn="base" hangingPunct="0">
-              <a:spcBef>
-                <a:spcPct val="0"/>
-              </a:spcBef>
-              <a:spcAft>
-                <a:spcPct val="0"/>
-              </a:spcAft>
-              <a:defRPr>
-                <a:solidFill>
-                  <a:schemeClr val="tx1"/>
-                </a:solidFill>
-                <a:latin typeface="Calibri" panose="020F0502020204030204" pitchFamily="34" charset="0"/>
-              </a:defRPr>
-            </a:lvl8pPr>
-            <a:lvl9pPr marL="3886200" indent="-228600" eaLnBrk="0" fontAlgn="base" hangingPunct="0">
-              <a:spcBef>
-                <a:spcPct val="0"/>
-              </a:spcBef>
-              <a:spcAft>
-                <a:spcPct val="0"/>
-              </a:spcAft>
-              <a:defRPr>
-                <a:solidFill>
-                  <a:schemeClr val="tx1"/>
-                </a:solidFill>
-                <a:latin typeface="Calibri" panose="020F0502020204030204" pitchFamily="34" charset="0"/>
-              </a:defRPr>
-            </a:lvl9pPr>
-          </a:lstStyle>
-          <a:p>
-            <a:pPr algn="ctr" eaLnBrk="1" hangingPunct="1"/>
-            <a:r>
-              <a:rPr lang="en-US" altLang="en-US" sz="1200" i="1" dirty="0">
-                <a:latin typeface="Arial" panose="020B0604020202020204" pitchFamily="34" charset="0"/>
-                <a:cs typeface="Arial" panose="020B0604020202020204" pitchFamily="34" charset="0"/>
-              </a:rPr>
-              <a:t>Self provisioning</a:t>
-            </a:r>
-          </a:p>
-        </p:txBody>
-      </p:sp>
-      <p:sp>
-        <p:nvSpPr>
-          <p:cNvPr id="68" name="TextBox 27">
-            <a:extLst>
-              <a:ext uri="{FF2B5EF4-FFF2-40B4-BE49-F238E27FC236}">
-                <a16:creationId xmlns:a16="http://schemas.microsoft.com/office/drawing/2014/main" id="{DAC6AFFE-2A62-42A9-A209-F852F3AC2E75}"/>
-              </a:ext>
-            </a:extLst>
-          </p:cNvPr>
-          <p:cNvSpPr txBox="1">
-            <a:spLocks noChangeArrowheads="1"/>
-          </p:cNvSpPr>
-          <p:nvPr/>
-        </p:nvSpPr>
-        <p:spPr bwMode="auto">
-          <a:xfrm>
-            <a:off x="8733863" y="5772951"/>
-            <a:ext cx="763678" cy="276999"/>
-          </a:xfrm>
-          <a:prstGeom prst="rect">
-            <a:avLst/>
-          </a:prstGeom>
-          <a:noFill/>
-          <a:ln>
-            <a:noFill/>
-          </a:ln>
-          <a:extLst>
-            <a:ext uri="{909E8E84-426E-40DD-AFC4-6F175D3DCCD1}">
-              <a14:hiddenFill xmlns:a14="http://schemas.microsoft.com/office/drawing/2010/main">
-                <a:solidFill>
-                  <a:srgbClr val="FFFFFF"/>
-                </a:solidFill>
-              </a14:hiddenFill>
-            </a:ext>
-            <a:ext uri="{91240B29-F687-4F45-9708-019B960494DF}">
-              <a14:hiddenLine xmlns:a14="http://schemas.microsoft.com/office/drawing/2010/main" w="9525">
-                <a:solidFill>
-                  <a:srgbClr val="000000"/>
-                </a:solidFill>
-                <a:miter lim="800000"/>
-                <a:headEnd/>
-                <a:tailEnd/>
-              </a14:hiddenLine>
-            </a:ext>
-          </a:extLst>
-        </p:spPr>
-        <p:txBody>
-          <a:bodyPr wrap="square">
-            <a:spAutoFit/>
-          </a:bodyPr>
-          <a:lstStyle>
-            <a:lvl1pPr>
-              <a:defRPr>
-                <a:solidFill>
-                  <a:schemeClr val="tx1"/>
-                </a:solidFill>
-                <a:latin typeface="Calibri" panose="020F0502020204030204" pitchFamily="34" charset="0"/>
-              </a:defRPr>
-            </a:lvl1pPr>
-            <a:lvl2pPr marL="742950" indent="-285750">
-              <a:defRPr>
-                <a:solidFill>
-                  <a:schemeClr val="tx1"/>
-                </a:solidFill>
-                <a:latin typeface="Calibri" panose="020F0502020204030204" pitchFamily="34" charset="0"/>
-              </a:defRPr>
-            </a:lvl2pPr>
-            <a:lvl3pPr marL="1143000" indent="-228600">
-              <a:defRPr>
-                <a:solidFill>
-                  <a:schemeClr val="tx1"/>
-                </a:solidFill>
-                <a:latin typeface="Calibri" panose="020F0502020204030204" pitchFamily="34" charset="0"/>
-              </a:defRPr>
-            </a:lvl3pPr>
-            <a:lvl4pPr marL="1600200" indent="-228600">
-              <a:defRPr>
-                <a:solidFill>
-                  <a:schemeClr val="tx1"/>
-                </a:solidFill>
-                <a:latin typeface="Calibri" panose="020F0502020204030204" pitchFamily="34" charset="0"/>
-              </a:defRPr>
-            </a:lvl4pPr>
-            <a:lvl5pPr marL="2057400" indent="-228600">
-              <a:defRPr>
-                <a:solidFill>
-                  <a:schemeClr val="tx1"/>
-                </a:solidFill>
-                <a:latin typeface="Calibri" panose="020F0502020204030204" pitchFamily="34" charset="0"/>
-              </a:defRPr>
-            </a:lvl5pPr>
-            <a:lvl6pPr marL="2514600" indent="-228600" eaLnBrk="0" fontAlgn="base" hangingPunct="0">
-              <a:spcBef>
-                <a:spcPct val="0"/>
-              </a:spcBef>
-              <a:spcAft>
-                <a:spcPct val="0"/>
-              </a:spcAft>
-              <a:defRPr>
-                <a:solidFill>
-                  <a:schemeClr val="tx1"/>
-                </a:solidFill>
-                <a:latin typeface="Calibri" panose="020F0502020204030204" pitchFamily="34" charset="0"/>
-              </a:defRPr>
-            </a:lvl6pPr>
-            <a:lvl7pPr marL="2971800" indent="-228600" eaLnBrk="0" fontAlgn="base" hangingPunct="0">
-              <a:spcBef>
-                <a:spcPct val="0"/>
-              </a:spcBef>
-              <a:spcAft>
-                <a:spcPct val="0"/>
-              </a:spcAft>
-              <a:defRPr>
-                <a:solidFill>
-                  <a:schemeClr val="tx1"/>
-                </a:solidFill>
-                <a:latin typeface="Calibri" panose="020F0502020204030204" pitchFamily="34" charset="0"/>
-              </a:defRPr>
-            </a:lvl7pPr>
-            <a:lvl8pPr marL="3429000" indent="-228600" eaLnBrk="0" fontAlgn="base" hangingPunct="0">
-              <a:spcBef>
-                <a:spcPct val="0"/>
-              </a:spcBef>
-              <a:spcAft>
-                <a:spcPct val="0"/>
-              </a:spcAft>
-              <a:defRPr>
-                <a:solidFill>
-                  <a:schemeClr val="tx1"/>
-                </a:solidFill>
-                <a:latin typeface="Calibri" panose="020F0502020204030204" pitchFamily="34" charset="0"/>
-              </a:defRPr>
-            </a:lvl8pPr>
-            <a:lvl9pPr marL="3886200" indent="-228600" eaLnBrk="0" fontAlgn="base" hangingPunct="0">
-              <a:spcBef>
-                <a:spcPct val="0"/>
-              </a:spcBef>
-              <a:spcAft>
-                <a:spcPct val="0"/>
-              </a:spcAft>
-              <a:defRPr>
-                <a:solidFill>
-                  <a:schemeClr val="tx1"/>
-                </a:solidFill>
-                <a:latin typeface="Calibri" panose="020F0502020204030204" pitchFamily="34" charset="0"/>
-              </a:defRPr>
-            </a:lvl9pPr>
-          </a:lstStyle>
-          <a:p>
-            <a:pPr algn="ctr" eaLnBrk="1" hangingPunct="1"/>
-            <a:r>
-              <a:rPr lang="en-US" altLang="en-US" sz="1200" i="1" dirty="0">
-                <a:latin typeface="Arial" panose="020B0604020202020204" pitchFamily="34" charset="0"/>
-                <a:cs typeface="Arial" panose="020B0604020202020204" pitchFamily="34" charset="0"/>
-              </a:rPr>
-              <a:t>Alerts</a:t>
-            </a:r>
-          </a:p>
-        </p:txBody>
-      </p:sp>
-      <p:cxnSp>
-        <p:nvCxnSpPr>
-          <p:cNvPr id="3" name="Straight Connector 2"/>
-          <p:cNvCxnSpPr/>
-          <p:nvPr/>
-        </p:nvCxnSpPr>
-        <p:spPr>
-          <a:xfrm>
-            <a:off x="699247" y="1013012"/>
-            <a:ext cx="10703859" cy="5036938"/>
-          </a:xfrm>
-          <a:prstGeom prst="line">
-            <a:avLst/>
-          </a:prstGeom>
-          <a:ln>
-            <a:solidFill>
-              <a:srgbClr val="FF0000"/>
-            </a:solidFill>
-          </a:ln>
-        </p:spPr>
-        <p:style>
-          <a:lnRef idx="1">
-            <a:schemeClr val="accent2"/>
-          </a:lnRef>
-          <a:fillRef idx="0">
-            <a:schemeClr val="accent2"/>
-          </a:fillRef>
-          <a:effectRef idx="0">
-            <a:schemeClr val="accent2"/>
-          </a:effectRef>
-          <a:fontRef idx="minor">
-            <a:schemeClr val="tx1"/>
-          </a:fontRef>
-        </p:style>
-      </p:cxnSp>
-      <p:cxnSp>
-        <p:nvCxnSpPr>
-          <p:cNvPr id="43" name="Straight Connector 42"/>
-          <p:cNvCxnSpPr/>
-          <p:nvPr/>
-        </p:nvCxnSpPr>
-        <p:spPr>
-          <a:xfrm flipV="1">
-            <a:off x="1201271" y="824753"/>
-            <a:ext cx="9251576" cy="5499997"/>
-          </a:xfrm>
-          <a:prstGeom prst="line">
-            <a:avLst/>
-          </a:prstGeom>
-          <a:ln>
-            <a:solidFill>
-              <a:srgbClr val="FF0000"/>
-            </a:solidFill>
-          </a:ln>
-        </p:spPr>
-        <p:style>
-          <a:lnRef idx="1">
-            <a:schemeClr val="accent2"/>
-          </a:lnRef>
-          <a:fillRef idx="0">
-            <a:schemeClr val="accent2"/>
-          </a:fillRef>
-          <a:effectRef idx="0">
-            <a:schemeClr val="accent2"/>
-          </a:effectRef>
-          <a:fontRef idx="minor">
-            <a:schemeClr val="tx1"/>
-          </a:fontRef>
-        </p:style>
-      </p:cxnSp>
-    </p:spTree>
-    <p:extLst>
-      <p:ext uri="{BB962C8B-B14F-4D97-AF65-F5344CB8AC3E}">
-        <p14:creationId xmlns:p14="http://schemas.microsoft.com/office/powerpoint/2010/main" val="594809241"/>
       </p:ext>
     </p:extLst>
   </p:cSld>
